--- a/Optimización de Agentes Bilaterales con BOA.pptx
+++ b/Optimización de Agentes Bilaterales con BOA.pptx
@@ -3521,7 +3521,7 @@
             </a:pPr>
             <a:r>
               <a:rPr lang="es-ES" sz="2400" b="1" dirty="0"/>
-              <a:t>Dominio NiceOrDie.xml – (16 negociaciones)</a:t>
+              <a:t>Dominio NiceOrDie.xml – Mucho 0, poco acuerdo</a:t>
             </a:r>
           </a:p>
         </p:txBody>
@@ -3541,14 +3541,14 @@
           <p:nvPr>
             <p:extLst>
               <p:ext uri="{D42A27DB-BD31-4B8C-83A1-F6EECF244321}">
-                <p14:modId xmlns:p14="http://schemas.microsoft.com/office/powerpoint/2010/main" val="691638328"/>
+                <p14:modId xmlns:p14="http://schemas.microsoft.com/office/powerpoint/2010/main" val="4016404884"/>
               </p:ext>
             </p:extLst>
           </p:nvPr>
         </p:nvGraphicFramePr>
         <p:xfrm>
           <a:off x="3869267" y="1364566"/>
-          <a:ext cx="7474594" cy="4151928"/>
+          <a:ext cx="7474594" cy="4411656"/>
         </p:xfrm>
         <a:graphic>
           <a:graphicData uri="http://schemas.openxmlformats.org/drawingml/2006/table">
@@ -3654,6 +3654,30 @@
                     <a:lstStyle/>
                     <a:p>
                       <a:pPr algn="ctr"/>
+                      <a:r>
+                        <a:rPr lang="es-ES" sz="1800" b="0" i="0" kern="1200" dirty="0" err="1">
+                          <a:solidFill>
+                            <a:schemeClr val="dk1"/>
+                          </a:solidFill>
+                          <a:effectLst/>
+                          <a:latin typeface="+mn-lt"/>
+                          <a:ea typeface="+mn-ea"/>
+                          <a:cs typeface="+mn-cs"/>
+                        </a:rPr>
+                        <a:t>Yushu</a:t>
+                      </a:r>
+                      <a:r>
+                        <a:rPr lang="es-ES" sz="1800" b="0" i="0" kern="1200" dirty="0">
+                          <a:solidFill>
+                            <a:schemeClr val="dk1"/>
+                          </a:solidFill>
+                          <a:effectLst/>
+                          <a:latin typeface="+mn-lt"/>
+                          <a:ea typeface="+mn-ea"/>
+                          <a:cs typeface="+mn-cs"/>
+                        </a:rPr>
+                        <a:t> </a:t>
+                      </a:r>
                       <a:endParaRPr lang="es-ES" sz="2000" dirty="0"/>
                     </a:p>
                   </a:txBody>
@@ -3665,6 +3689,191 @@
                     <a:lstStyle/>
                     <a:p>
                       <a:pPr algn="ctr"/>
+                      <a:r>
+                        <a:rPr lang="es-ES" sz="1800" b="0" i="0" kern="1200" dirty="0">
+                          <a:solidFill>
+                            <a:schemeClr val="dk1"/>
+                          </a:solidFill>
+                          <a:effectLst/>
+                          <a:latin typeface="+mn-lt"/>
+                          <a:ea typeface="+mn-ea"/>
+                          <a:cs typeface="+mn-cs"/>
+                        </a:rPr>
+                        <a:t>(0, 1,</a:t>
+                      </a:r>
+                      <a:r>
+                        <a:rPr lang="es-ES" sz="1800" b="1" i="0" kern="1200" dirty="0">
+                          <a:solidFill>
+                            <a:schemeClr val="dk1"/>
+                          </a:solidFill>
+                          <a:effectLst/>
+                          <a:latin typeface="+mn-lt"/>
+                          <a:ea typeface="+mn-ea"/>
+                          <a:cs typeface="+mn-cs"/>
+                        </a:rPr>
+                        <a:t> 0.5</a:t>
+                      </a:r>
+                      <a:r>
+                        <a:rPr lang="es-ES" sz="1800" b="0" i="0" kern="1200" dirty="0">
+                          <a:solidFill>
+                            <a:schemeClr val="dk1"/>
+                          </a:solidFill>
+                          <a:effectLst/>
+                          <a:latin typeface="+mn-lt"/>
+                          <a:ea typeface="+mn-ea"/>
+                          <a:cs typeface="+mn-cs"/>
+                        </a:rPr>
+                        <a:t>)</a:t>
+                      </a:r>
+                      <a:endParaRPr lang="es-ES" sz="2000" u="sng" dirty="0"/>
+                    </a:p>
+                  </a:txBody>
+                  <a:tcPr anchor="ctr"/>
+                </a:tc>
+                <a:extLst>
+                  <a:ext uri="{0D108BD9-81ED-4DB2-BD59-A6C34878D82A}">
+                    <a16:rowId xmlns:a16="http://schemas.microsoft.com/office/drawing/2014/main" val="3806365066"/>
+                  </a:ext>
+                </a:extLst>
+              </a:tr>
+              <a:tr h="575148">
+                <a:tc>
+                  <a:txBody>
+                    <a:bodyPr/>
+                    <a:lstStyle/>
+                    <a:p>
+                      <a:pPr algn="ctr"/>
+                      <a:r>
+                        <a:rPr lang="es-ES" sz="1800" b="0" i="0" kern="1200" dirty="0">
+                          <a:solidFill>
+                            <a:schemeClr val="dk1"/>
+                          </a:solidFill>
+                          <a:effectLst/>
+                          <a:latin typeface="+mn-lt"/>
+                          <a:ea typeface="+mn-ea"/>
+                          <a:cs typeface="+mn-cs"/>
+                        </a:rPr>
+                        <a:t>('</a:t>
+                      </a:r>
+                      <a:r>
+                        <a:rPr lang="es-ES" sz="1800" b="0" i="0" kern="1200" dirty="0" err="1">
+                          <a:solidFill>
+                            <a:schemeClr val="dk1"/>
+                          </a:solidFill>
+                          <a:effectLst/>
+                          <a:latin typeface="+mn-lt"/>
+                          <a:ea typeface="+mn-ea"/>
+                          <a:cs typeface="+mn-cs"/>
+                        </a:rPr>
+                        <a:t>TheNegotiator</a:t>
+                      </a:r>
+                      <a:r>
+                        <a:rPr lang="es-ES" sz="1800" b="0" i="0" kern="1200" dirty="0">
+                          <a:solidFill>
+                            <a:schemeClr val="dk1"/>
+                          </a:solidFill>
+                          <a:effectLst/>
+                          <a:latin typeface="+mn-lt"/>
+                          <a:ea typeface="+mn-ea"/>
+                          <a:cs typeface="+mn-cs"/>
+                        </a:rPr>
+                        <a:t>', 'AC_IAMHaggler2011', '</a:t>
+                      </a:r>
+                      <a:r>
+                        <a:rPr lang="es-ES" sz="1800" b="0" i="0" kern="1200" dirty="0" err="1">
+                          <a:solidFill>
+                            <a:schemeClr val="dk1"/>
+                          </a:solidFill>
+                          <a:effectLst/>
+                          <a:latin typeface="+mn-lt"/>
+                          <a:ea typeface="+mn-ea"/>
+                          <a:cs typeface="+mn-cs"/>
+                        </a:rPr>
+                        <a:t>BayesianModel_m</a:t>
+                      </a:r>
+                      <a:r>
+                        <a:rPr lang="es-ES" sz="1800" b="0" i="0" kern="1200" dirty="0">
+                          <a:solidFill>
+                            <a:schemeClr val="dk1"/>
+                          </a:solidFill>
+                          <a:effectLst/>
+                          <a:latin typeface="+mn-lt"/>
+                          <a:ea typeface="+mn-ea"/>
+                          <a:cs typeface="+mn-cs"/>
+                        </a:rPr>
+                        <a:t>', '</a:t>
+                      </a:r>
+                      <a:r>
+                        <a:rPr lang="es-ES" sz="1800" b="0" i="0" kern="1200" dirty="0" err="1">
+                          <a:solidFill>
+                            <a:schemeClr val="dk1"/>
+                          </a:solidFill>
+                          <a:effectLst/>
+                          <a:latin typeface="+mn-lt"/>
+                          <a:ea typeface="+mn-ea"/>
+                          <a:cs typeface="+mn-cs"/>
+                        </a:rPr>
+                        <a:t>OfferBestN</a:t>
+                      </a:r>
+                      <a:r>
+                        <a:rPr lang="es-ES" sz="1800" b="0" i="0" kern="1200" dirty="0">
+                          <a:solidFill>
+                            <a:schemeClr val="dk1"/>
+                          </a:solidFill>
+                          <a:effectLst/>
+                          <a:latin typeface="+mn-lt"/>
+                          <a:ea typeface="+mn-ea"/>
+                          <a:cs typeface="+mn-cs"/>
+                        </a:rPr>
+                        <a:t>')</a:t>
+                      </a:r>
+                      <a:endParaRPr lang="es-ES" sz="2000" dirty="0"/>
+                    </a:p>
+                  </a:txBody>
+                  <a:tcPr anchor="ctr"/>
+                </a:tc>
+                <a:tc>
+                  <a:txBody>
+                    <a:bodyPr/>
+                    <a:lstStyle/>
+                    <a:p>
+                      <a:pPr algn="ctr"/>
+                      <a:r>
+                        <a:rPr lang="es-ES" sz="1800" b="0" i="0" kern="1200" dirty="0">
+                          <a:solidFill>
+                            <a:schemeClr val="dk1"/>
+                          </a:solidFill>
+                          <a:effectLst/>
+                          <a:latin typeface="+mn-lt"/>
+                          <a:ea typeface="+mn-ea"/>
+                          <a:cs typeface="+mn-cs"/>
+                        </a:rPr>
+                        <a:t>(0, 0.711, </a:t>
+                      </a:r>
+                      <a:r>
+                        <a:rPr lang="es-ES" sz="1800" b="1" i="0" kern="1200" dirty="0">
+                          <a:solidFill>
+                            <a:schemeClr val="dk1"/>
+                          </a:solidFill>
+                          <a:effectLst/>
+                          <a:latin typeface="+mn-lt"/>
+                          <a:ea typeface="+mn-ea"/>
+                          <a:cs typeface="+mn-cs"/>
+                        </a:rPr>
+                        <a:t>0.24</a:t>
+                      </a:r>
+                      <a:r>
+                        <a:rPr lang="es-ES" sz="1800" b="0" i="0" kern="1200" dirty="0">
+                          <a:solidFill>
+                            <a:schemeClr val="dk1"/>
+                          </a:solidFill>
+                          <a:effectLst/>
+                          <a:latin typeface="+mn-lt"/>
+                          <a:ea typeface="+mn-ea"/>
+                          <a:cs typeface="+mn-cs"/>
+                        </a:rPr>
+                        <a:t>)</a:t>
+                      </a:r>
                       <a:endParaRPr lang="es-ES" sz="2000" u="sng" dirty="0"/>
                     </a:p>
                   </a:txBody>
@@ -3683,6 +3892,30 @@
                     <a:lstStyle/>
                     <a:p>
                       <a:pPr algn="ctr"/>
+                      <a:r>
+                        <a:rPr lang="es-ES" sz="1800" b="0" i="0" kern="1200" dirty="0" err="1">
+                          <a:solidFill>
+                            <a:schemeClr val="dk1"/>
+                          </a:solidFill>
+                          <a:effectLst/>
+                          <a:latin typeface="+mn-lt"/>
+                          <a:ea typeface="+mn-ea"/>
+                          <a:cs typeface="+mn-cs"/>
+                        </a:rPr>
+                        <a:t>Gahboninho</a:t>
+                      </a:r>
+                      <a:r>
+                        <a:rPr lang="es-ES" sz="1800" b="0" i="0" kern="1200" dirty="0">
+                          <a:solidFill>
+                            <a:schemeClr val="dk1"/>
+                          </a:solidFill>
+                          <a:effectLst/>
+                          <a:latin typeface="+mn-lt"/>
+                          <a:ea typeface="+mn-ea"/>
+                          <a:cs typeface="+mn-cs"/>
+                        </a:rPr>
+                        <a:t> </a:t>
+                      </a:r>
                       <a:endParaRPr lang="es-ES" sz="2000" dirty="0"/>
                     </a:p>
                   </a:txBody>
@@ -3694,6 +3927,42 @@
                     <a:lstStyle/>
                     <a:p>
                       <a:pPr algn="ctr"/>
+                      <a:r>
+                        <a:rPr lang="es-ES" sz="1800" b="0" i="0" kern="1200" dirty="0">
+                          <a:solidFill>
+                            <a:schemeClr val="dk1"/>
+                          </a:solidFill>
+                          <a:effectLst/>
+                          <a:latin typeface="+mn-lt"/>
+                          <a:ea typeface="+mn-ea"/>
+                          <a:cs typeface="+mn-cs"/>
+                        </a:rPr>
+                        <a:t>(0, 0.711,</a:t>
+                      </a:r>
+                      <a:r>
+                        <a:rPr lang="es-ES" sz="1800" b="1" i="0" kern="1200" dirty="0">
+                          <a:solidFill>
+                            <a:schemeClr val="dk1"/>
+                          </a:solidFill>
+                          <a:effectLst/>
+                          <a:latin typeface="+mn-lt"/>
+                          <a:ea typeface="+mn-ea"/>
+                          <a:cs typeface="+mn-cs"/>
+                        </a:rPr>
+                        <a:t> 0.24</a:t>
+                      </a:r>
+                      <a:r>
+                        <a:rPr lang="es-ES" sz="1800" b="0" i="0" kern="1200" dirty="0">
+                          <a:solidFill>
+                            <a:schemeClr val="dk1"/>
+                          </a:solidFill>
+                          <a:effectLst/>
+                          <a:latin typeface="+mn-lt"/>
+                          <a:ea typeface="+mn-ea"/>
+                          <a:cs typeface="+mn-cs"/>
+                        </a:rPr>
+                        <a:t>)</a:t>
+                      </a:r>
                       <a:endParaRPr lang="es-ES" sz="2000" dirty="0"/>
                     </a:p>
                   </a:txBody>
@@ -3712,6 +3981,114 @@
                     <a:lstStyle/>
                     <a:p>
                       <a:pPr algn="ctr"/>
+                      <a:r>
+                        <a:rPr lang="es-ES" sz="1800" b="0" i="0" kern="1200" dirty="0">
+                          <a:solidFill>
+                            <a:schemeClr val="dk1"/>
+                          </a:solidFill>
+                          <a:effectLst/>
+                          <a:latin typeface="+mn-lt"/>
+                          <a:ea typeface="+mn-ea"/>
+                          <a:cs typeface="+mn-cs"/>
+                        </a:rPr>
+                        <a:t>('</a:t>
+                      </a:r>
+                      <a:r>
+                        <a:rPr lang="es-ES" sz="1800" b="0" i="0" kern="1200" dirty="0" err="1">
+                          <a:solidFill>
+                            <a:schemeClr val="dk1"/>
+                          </a:solidFill>
+                          <a:effectLst/>
+                          <a:latin typeface="+mn-lt"/>
+                          <a:ea typeface="+mn-ea"/>
+                          <a:cs typeface="+mn-cs"/>
+                        </a:rPr>
+                        <a:t>TheNegotiator</a:t>
+                      </a:r>
+                      <a:r>
+                        <a:rPr lang="es-ES" sz="1800" b="0" i="0" kern="1200" dirty="0">
+                          <a:solidFill>
+                            <a:schemeClr val="dk1"/>
+                          </a:solidFill>
+                          <a:effectLst/>
+                          <a:latin typeface="+mn-lt"/>
+                          <a:ea typeface="+mn-ea"/>
+                          <a:cs typeface="+mn-cs"/>
+                        </a:rPr>
+                        <a:t>', '</a:t>
+                      </a:r>
+                      <a:r>
+                        <a:rPr lang="es-ES" sz="1800" b="0" i="0" kern="1200" dirty="0" err="1">
+                          <a:solidFill>
+                            <a:schemeClr val="dk1"/>
+                          </a:solidFill>
+                          <a:effectLst/>
+                          <a:latin typeface="+mn-lt"/>
+                          <a:ea typeface="+mn-ea"/>
+                          <a:cs typeface="+mn-cs"/>
+                        </a:rPr>
+                        <a:t>AC_HardHeaded</a:t>
+                      </a:r>
+                      <a:r>
+                        <a:rPr lang="es-ES" sz="1800" b="0" i="0" kern="1200" dirty="0">
+                          <a:solidFill>
+                            <a:schemeClr val="dk1"/>
+                          </a:solidFill>
+                          <a:effectLst/>
+                          <a:latin typeface="+mn-lt"/>
+                          <a:ea typeface="+mn-ea"/>
+                          <a:cs typeface="+mn-cs"/>
+                        </a:rPr>
+                        <a:t>', '</a:t>
+                      </a:r>
+                      <a:r>
+                        <a:rPr lang="es-ES" sz="1800" b="0" i="0" kern="1200" dirty="0" err="1">
+                          <a:solidFill>
+                            <a:schemeClr val="dk1"/>
+                          </a:solidFill>
+                          <a:effectLst/>
+                          <a:latin typeface="+mn-lt"/>
+                          <a:ea typeface="+mn-ea"/>
+                          <a:cs typeface="+mn-cs"/>
+                        </a:rPr>
+                        <a:t>UniformModel</a:t>
+                      </a:r>
+                      <a:r>
+                        <a:rPr lang="es-ES" sz="1800" b="0" i="0" kern="1200" dirty="0">
+                          <a:solidFill>
+                            <a:schemeClr val="dk1"/>
+                          </a:solidFill>
+                          <a:effectLst/>
+                          <a:latin typeface="+mn-lt"/>
+                          <a:ea typeface="+mn-ea"/>
+                          <a:cs typeface="+mn-cs"/>
+                        </a:rPr>
+                        <a:t>', '</a:t>
+                      </a:r>
+                      <a:r>
+                        <a:rPr lang="es-ES" sz="1800" b="0" i="0" kern="1200" dirty="0" err="1">
+                          <a:solidFill>
+                            <a:schemeClr val="dk1"/>
+                          </a:solidFill>
+                          <a:effectLst/>
+                          <a:latin typeface="+mn-lt"/>
+                          <a:ea typeface="+mn-ea"/>
+                          <a:cs typeface="+mn-cs"/>
+                        </a:rPr>
+                        <a:t>OfferBestN</a:t>
+                      </a:r>
+                      <a:r>
+                        <a:rPr lang="es-ES" sz="1800" b="0" i="0" kern="1200" dirty="0">
+                          <a:solidFill>
+                            <a:schemeClr val="dk1"/>
+                          </a:solidFill>
+                          <a:effectLst/>
+                          <a:latin typeface="+mn-lt"/>
+                          <a:ea typeface="+mn-ea"/>
+                          <a:cs typeface="+mn-cs"/>
+                        </a:rPr>
+                        <a:t>')</a:t>
+                      </a:r>
                       <a:endParaRPr lang="es-ES" sz="2000" dirty="0"/>
                     </a:p>
                   </a:txBody>
@@ -3723,6 +4100,42 @@
                     <a:lstStyle/>
                     <a:p>
                       <a:pPr algn="ctr"/>
+                      <a:r>
+                        <a:rPr lang="es-ES" sz="1800" b="0" i="0" kern="1200" dirty="0">
+                          <a:solidFill>
+                            <a:schemeClr val="dk1"/>
+                          </a:solidFill>
+                          <a:effectLst/>
+                          <a:latin typeface="+mn-lt"/>
+                          <a:ea typeface="+mn-ea"/>
+                          <a:cs typeface="+mn-cs"/>
+                        </a:rPr>
+                        <a:t>(0, 0.66,</a:t>
+                      </a:r>
+                      <a:r>
+                        <a:rPr lang="es-ES" sz="1800" b="1" i="0" kern="1200" dirty="0">
+                          <a:solidFill>
+                            <a:schemeClr val="dk1"/>
+                          </a:solidFill>
+                          <a:effectLst/>
+                          <a:latin typeface="+mn-lt"/>
+                          <a:ea typeface="+mn-ea"/>
+                          <a:cs typeface="+mn-cs"/>
+                        </a:rPr>
+                        <a:t> 0.223</a:t>
+                      </a:r>
+                      <a:r>
+                        <a:rPr lang="es-ES" sz="1800" b="0" i="0" kern="1200" dirty="0">
+                          <a:solidFill>
+                            <a:schemeClr val="dk1"/>
+                          </a:solidFill>
+                          <a:effectLst/>
+                          <a:latin typeface="+mn-lt"/>
+                          <a:ea typeface="+mn-ea"/>
+                          <a:cs typeface="+mn-cs"/>
+                        </a:rPr>
+                        <a:t>)</a:t>
+                      </a:r>
                       <a:endParaRPr lang="es-ES" sz="2000" dirty="0"/>
                     </a:p>
                   </a:txBody>
@@ -3741,6 +4154,90 @@
                     <a:lstStyle/>
                     <a:p>
                       <a:pPr algn="ctr"/>
+                      <a:r>
+                        <a:rPr lang="es-ES" sz="1800" b="0" i="0" kern="1200" dirty="0">
+                          <a:solidFill>
+                            <a:schemeClr val="dk1"/>
+                          </a:solidFill>
+                          <a:effectLst/>
+                          <a:latin typeface="+mn-lt"/>
+                          <a:ea typeface="+mn-ea"/>
+                          <a:cs typeface="+mn-cs"/>
+                        </a:rPr>
+                        <a:t>('</a:t>
+                      </a:r>
+                      <a:r>
+                        <a:rPr lang="es-ES" sz="1800" b="0" i="0" kern="1200" dirty="0" err="1">
+                          <a:solidFill>
+                            <a:schemeClr val="dk1"/>
+                          </a:solidFill>
+                          <a:effectLst/>
+                          <a:latin typeface="+mn-lt"/>
+                          <a:ea typeface="+mn-ea"/>
+                          <a:cs typeface="+mn-cs"/>
+                        </a:rPr>
+                        <a:t>TheNegotiator</a:t>
+                      </a:r>
+                      <a:r>
+                        <a:rPr lang="es-ES" sz="1800" b="0" i="0" kern="1200" dirty="0">
+                          <a:solidFill>
+                            <a:schemeClr val="dk1"/>
+                          </a:solidFill>
+                          <a:effectLst/>
+                          <a:latin typeface="+mn-lt"/>
+                          <a:ea typeface="+mn-ea"/>
+                          <a:cs typeface="+mn-cs"/>
+                        </a:rPr>
+                        <a:t>', 'AC_IAMHaggler2011', '</a:t>
+                      </a:r>
+                      <a:r>
+                        <a:rPr lang="es-ES" sz="1800" b="0" i="0" kern="1200" dirty="0" err="1">
+                          <a:solidFill>
+                            <a:schemeClr val="dk1"/>
+                          </a:solidFill>
+                          <a:effectLst/>
+                          <a:latin typeface="+mn-lt"/>
+                          <a:ea typeface="+mn-ea"/>
+                          <a:cs typeface="+mn-cs"/>
+                        </a:rPr>
+                        <a:t>UniformModel</a:t>
+                      </a:r>
+                      <a:r>
+                        <a:rPr lang="es-ES" sz="1800" b="0" i="0" kern="1200" dirty="0">
+                          <a:solidFill>
+                            <a:schemeClr val="dk1"/>
+                          </a:solidFill>
+                          <a:effectLst/>
+                          <a:latin typeface="+mn-lt"/>
+                          <a:ea typeface="+mn-ea"/>
+                          <a:cs typeface="+mn-cs"/>
+                        </a:rPr>
+                        <a:t>', '</a:t>
+                      </a:r>
+                      <a:r>
+                        <a:rPr lang="es-ES" sz="1800" b="0" i="0" kern="1200" dirty="0" err="1">
+                          <a:solidFill>
+                            <a:schemeClr val="dk1"/>
+                          </a:solidFill>
+                          <a:effectLst/>
+                          <a:latin typeface="+mn-lt"/>
+                          <a:ea typeface="+mn-ea"/>
+                          <a:cs typeface="+mn-cs"/>
+                        </a:rPr>
+                        <a:t>OfferBestN</a:t>
+                      </a:r>
+                      <a:r>
+                        <a:rPr lang="es-ES" sz="1800" b="0" i="0" kern="1200" dirty="0">
+                          <a:solidFill>
+                            <a:schemeClr val="dk1"/>
+                          </a:solidFill>
+                          <a:effectLst/>
+                          <a:latin typeface="+mn-lt"/>
+                          <a:ea typeface="+mn-ea"/>
+                          <a:cs typeface="+mn-cs"/>
+                        </a:rPr>
+                        <a:t>')</a:t>
+                      </a:r>
                       <a:endParaRPr lang="es-ES" sz="2000" dirty="0"/>
                     </a:p>
                   </a:txBody>
@@ -3752,6 +4249,42 @@
                     <a:lstStyle/>
                     <a:p>
                       <a:pPr algn="ctr"/>
+                      <a:r>
+                        <a:rPr lang="es-ES" sz="1800" b="0" i="0" kern="1200" dirty="0">
+                          <a:solidFill>
+                            <a:schemeClr val="dk1"/>
+                          </a:solidFill>
+                          <a:effectLst/>
+                          <a:latin typeface="+mn-lt"/>
+                          <a:ea typeface="+mn-ea"/>
+                          <a:cs typeface="+mn-cs"/>
+                        </a:rPr>
+                        <a:t>(0, 0.66,</a:t>
+                      </a:r>
+                      <a:r>
+                        <a:rPr lang="es-ES" sz="1800" b="1" i="0" kern="1200" dirty="0">
+                          <a:solidFill>
+                            <a:schemeClr val="dk1"/>
+                          </a:solidFill>
+                          <a:effectLst/>
+                          <a:latin typeface="+mn-lt"/>
+                          <a:ea typeface="+mn-ea"/>
+                          <a:cs typeface="+mn-cs"/>
+                        </a:rPr>
+                        <a:t> 0.223</a:t>
+                      </a:r>
+                      <a:r>
+                        <a:rPr lang="es-ES" sz="1800" b="0" i="0" kern="1200" dirty="0">
+                          <a:solidFill>
+                            <a:schemeClr val="dk1"/>
+                          </a:solidFill>
+                          <a:effectLst/>
+                          <a:latin typeface="+mn-lt"/>
+                          <a:ea typeface="+mn-ea"/>
+                          <a:cs typeface="+mn-cs"/>
+                        </a:rPr>
+                        <a:t>)</a:t>
+                      </a:r>
                       <a:endParaRPr lang="es-ES" sz="2000" dirty="0"/>
                     </a:p>
                   </a:txBody>
@@ -3770,6 +4303,114 @@
                     <a:lstStyle/>
                     <a:p>
                       <a:pPr algn="ctr"/>
+                      <a:r>
+                        <a:rPr lang="es-ES" sz="1800" b="0" i="0" kern="1200" dirty="0">
+                          <a:solidFill>
+                            <a:schemeClr val="dk1"/>
+                          </a:solidFill>
+                          <a:effectLst/>
+                          <a:latin typeface="+mn-lt"/>
+                          <a:ea typeface="+mn-ea"/>
+                          <a:cs typeface="+mn-cs"/>
+                        </a:rPr>
+                        <a:t>('</a:t>
+                      </a:r>
+                      <a:r>
+                        <a:rPr lang="es-ES" sz="1800" b="0" i="0" kern="1200" dirty="0" err="1">
+                          <a:solidFill>
+                            <a:schemeClr val="dk1"/>
+                          </a:solidFill>
+                          <a:effectLst/>
+                          <a:latin typeface="+mn-lt"/>
+                          <a:ea typeface="+mn-ea"/>
+                          <a:cs typeface="+mn-cs"/>
+                        </a:rPr>
+                        <a:t>TheNegotiator</a:t>
+                      </a:r>
+                      <a:r>
+                        <a:rPr lang="es-ES" sz="1800" b="0" i="0" kern="1200" dirty="0">
+                          <a:solidFill>
+                            <a:schemeClr val="dk1"/>
+                          </a:solidFill>
+                          <a:effectLst/>
+                          <a:latin typeface="+mn-lt"/>
+                          <a:ea typeface="+mn-ea"/>
+                          <a:cs typeface="+mn-cs"/>
+                        </a:rPr>
+                        <a:t>', '</a:t>
+                      </a:r>
+                      <a:r>
+                        <a:rPr lang="es-ES" sz="1800" b="0" i="0" kern="1200" dirty="0" err="1">
+                          <a:solidFill>
+                            <a:schemeClr val="dk1"/>
+                          </a:solidFill>
+                          <a:effectLst/>
+                          <a:latin typeface="+mn-lt"/>
+                          <a:ea typeface="+mn-ea"/>
+                          <a:cs typeface="+mn-cs"/>
+                        </a:rPr>
+                        <a:t>AC_HardHeaded</a:t>
+                      </a:r>
+                      <a:r>
+                        <a:rPr lang="es-ES" sz="1800" b="0" i="0" kern="1200" dirty="0">
+                          <a:solidFill>
+                            <a:schemeClr val="dk1"/>
+                          </a:solidFill>
+                          <a:effectLst/>
+                          <a:latin typeface="+mn-lt"/>
+                          <a:ea typeface="+mn-ea"/>
+                          <a:cs typeface="+mn-cs"/>
+                        </a:rPr>
+                        <a:t>', '</a:t>
+                      </a:r>
+                      <a:r>
+                        <a:rPr lang="es-ES" sz="1800" b="0" i="0" kern="1200" dirty="0" err="1">
+                          <a:solidFill>
+                            <a:schemeClr val="dk1"/>
+                          </a:solidFill>
+                          <a:effectLst/>
+                          <a:latin typeface="+mn-lt"/>
+                          <a:ea typeface="+mn-ea"/>
+                          <a:cs typeface="+mn-cs"/>
+                        </a:rPr>
+                        <a:t>OppositeModel</a:t>
+                      </a:r>
+                      <a:r>
+                        <a:rPr lang="es-ES" sz="1800" b="0" i="0" kern="1200" dirty="0">
+                          <a:solidFill>
+                            <a:schemeClr val="dk1"/>
+                          </a:solidFill>
+                          <a:effectLst/>
+                          <a:latin typeface="+mn-lt"/>
+                          <a:ea typeface="+mn-ea"/>
+                          <a:cs typeface="+mn-cs"/>
+                        </a:rPr>
+                        <a:t>', '</a:t>
+                      </a:r>
+                      <a:r>
+                        <a:rPr lang="es-ES" sz="1800" b="0" i="0" kern="1200" dirty="0" err="1">
+                          <a:solidFill>
+                            <a:schemeClr val="dk1"/>
+                          </a:solidFill>
+                          <a:effectLst/>
+                          <a:latin typeface="+mn-lt"/>
+                          <a:ea typeface="+mn-ea"/>
+                          <a:cs typeface="+mn-cs"/>
+                        </a:rPr>
+                        <a:t>OfferBestN</a:t>
+                      </a:r>
+                      <a:r>
+                        <a:rPr lang="es-ES" sz="1800" b="0" i="0" kern="1200" dirty="0">
+                          <a:solidFill>
+                            <a:schemeClr val="dk1"/>
+                          </a:solidFill>
+                          <a:effectLst/>
+                          <a:latin typeface="+mn-lt"/>
+                          <a:ea typeface="+mn-ea"/>
+                          <a:cs typeface="+mn-cs"/>
+                        </a:rPr>
+                        <a:t>')</a:t>
+                      </a:r>
                       <a:endParaRPr lang="es-ES" sz="2000" dirty="0"/>
                     </a:p>
                   </a:txBody>
@@ -3781,6 +4422,42 @@
                     <a:lstStyle/>
                     <a:p>
                       <a:pPr algn="ctr"/>
+                      <a:r>
+                        <a:rPr lang="es-ES" sz="1800" b="0" i="0" kern="1200" dirty="0">
+                          <a:solidFill>
+                            <a:schemeClr val="dk1"/>
+                          </a:solidFill>
+                          <a:effectLst/>
+                          <a:latin typeface="+mn-lt"/>
+                          <a:ea typeface="+mn-ea"/>
+                          <a:cs typeface="+mn-cs"/>
+                        </a:rPr>
+                        <a:t>(0, 0.61,</a:t>
+                      </a:r>
+                      <a:r>
+                        <a:rPr lang="es-ES" sz="1800" b="1" i="0" kern="1200" dirty="0">
+                          <a:solidFill>
+                            <a:schemeClr val="dk1"/>
+                          </a:solidFill>
+                          <a:effectLst/>
+                          <a:latin typeface="+mn-lt"/>
+                          <a:ea typeface="+mn-ea"/>
+                          <a:cs typeface="+mn-cs"/>
+                        </a:rPr>
+                        <a:t> 0.206</a:t>
+                      </a:r>
+                      <a:r>
+                        <a:rPr lang="es-ES" sz="1800" b="0" i="0" kern="1200" dirty="0">
+                          <a:solidFill>
+                            <a:schemeClr val="dk1"/>
+                          </a:solidFill>
+                          <a:effectLst/>
+                          <a:latin typeface="+mn-lt"/>
+                          <a:ea typeface="+mn-ea"/>
+                          <a:cs typeface="+mn-cs"/>
+                        </a:rPr>
+                        <a:t>)</a:t>
+                      </a:r>
                       <a:endParaRPr lang="es-ES" sz="2000" dirty="0"/>
                     </a:p>
                   </a:txBody>
@@ -3789,35 +4466,6 @@
                 <a:extLst>
                   <a:ext uri="{0D108BD9-81ED-4DB2-BD59-A6C34878D82A}">
                     <a16:rowId xmlns:a16="http://schemas.microsoft.com/office/drawing/2014/main" val="2941801131"/>
-                  </a:ext>
-                </a:extLst>
-              </a:tr>
-              <a:tr h="575148">
-                <a:tc>
-                  <a:txBody>
-                    <a:bodyPr/>
-                    <a:lstStyle/>
-                    <a:p>
-                      <a:pPr algn="ctr"/>
-                      <a:endParaRPr lang="es-ES" sz="2000" dirty="0"/>
-                    </a:p>
-                  </a:txBody>
-                  <a:tcPr anchor="ctr"/>
-                </a:tc>
-                <a:tc>
-                  <a:txBody>
-                    <a:bodyPr/>
-                    <a:lstStyle/>
-                    <a:p>
-                      <a:pPr algn="ctr"/>
-                      <a:endParaRPr lang="es-ES" sz="2000" dirty="0"/>
-                    </a:p>
-                  </a:txBody>
-                  <a:tcPr anchor="ctr"/>
-                </a:tc>
-                <a:extLst>
-                  <a:ext uri="{0D108BD9-81ED-4DB2-BD59-A6C34878D82A}">
-                    <a16:rowId xmlns:a16="http://schemas.microsoft.com/office/drawing/2014/main" val="1942036124"/>
                   </a:ext>
                 </a:extLst>
               </a:tr>
@@ -3936,14 +4584,14 @@
           <p:nvPr>
             <p:extLst>
               <p:ext uri="{D42A27DB-BD31-4B8C-83A1-F6EECF244321}">
-                <p14:modId xmlns:p14="http://schemas.microsoft.com/office/powerpoint/2010/main" val="2200720021"/>
+                <p14:modId xmlns:p14="http://schemas.microsoft.com/office/powerpoint/2010/main" val="2309687838"/>
               </p:ext>
             </p:extLst>
           </p:nvPr>
         </p:nvGraphicFramePr>
         <p:xfrm>
           <a:off x="3869268" y="1364566"/>
-          <a:ext cx="7474594" cy="4151928"/>
+          <a:ext cx="7474594" cy="4346724"/>
         </p:xfrm>
         <a:graphic>
           <a:graphicData uri="http://schemas.openxmlformats.org/drawingml/2006/table">
@@ -4049,6 +4697,30 @@
                     <a:lstStyle/>
                     <a:p>
                       <a:pPr algn="ctr"/>
+                      <a:r>
+                        <a:rPr lang="es-ES" sz="1800" b="0" i="0" kern="1200" dirty="0" err="1">
+                          <a:solidFill>
+                            <a:schemeClr val="dk1"/>
+                          </a:solidFill>
+                          <a:effectLst/>
+                          <a:latin typeface="+mn-lt"/>
+                          <a:ea typeface="+mn-ea"/>
+                          <a:cs typeface="+mn-cs"/>
+                        </a:rPr>
+                        <a:t>Yushu</a:t>
+                      </a:r>
+                      <a:r>
+                        <a:rPr lang="es-ES" sz="1800" b="0" i="0" kern="1200" dirty="0">
+                          <a:solidFill>
+                            <a:schemeClr val="dk1"/>
+                          </a:solidFill>
+                          <a:effectLst/>
+                          <a:latin typeface="+mn-lt"/>
+                          <a:ea typeface="+mn-ea"/>
+                          <a:cs typeface="+mn-cs"/>
+                        </a:rPr>
+                        <a:t> </a:t>
+                      </a:r>
                       <a:endParaRPr lang="es-ES" sz="2000" dirty="0"/>
                     </a:p>
                   </a:txBody>
@@ -4060,7 +4732,43 @@
                     <a:lstStyle/>
                     <a:p>
                       <a:pPr algn="ctr"/>
-                      <a:endParaRPr lang="es-ES" sz="2000" dirty="0"/>
+                      <a:r>
+                        <a:rPr lang="es-ES" sz="1800" b="0" i="0" kern="1200" dirty="0">
+                          <a:solidFill>
+                            <a:schemeClr val="dk1"/>
+                          </a:solidFill>
+                          <a:effectLst/>
+                          <a:latin typeface="+mn-lt"/>
+                          <a:ea typeface="+mn-ea"/>
+                          <a:cs typeface="+mn-cs"/>
+                        </a:rPr>
+                        <a:t>(0, 1</a:t>
+                      </a:r>
+                      <a:r>
+                        <a:rPr lang="es-ES" sz="1800" b="1" i="0" kern="1200" dirty="0">
+                          <a:solidFill>
+                            <a:schemeClr val="dk1"/>
+                          </a:solidFill>
+                          <a:effectLst/>
+                          <a:latin typeface="+mn-lt"/>
+                          <a:ea typeface="+mn-ea"/>
+                          <a:cs typeface="+mn-cs"/>
+                        </a:rPr>
+                        <a:t>, 0.5</a:t>
+                      </a:r>
+                      <a:r>
+                        <a:rPr lang="es-ES" sz="1800" b="0" i="0" kern="1200" dirty="0">
+                          <a:solidFill>
+                            <a:schemeClr val="dk1"/>
+                          </a:solidFill>
+                          <a:effectLst/>
+                          <a:latin typeface="+mn-lt"/>
+                          <a:ea typeface="+mn-ea"/>
+                          <a:cs typeface="+mn-cs"/>
+                        </a:rPr>
+                        <a:t>)</a:t>
+                      </a:r>
+                      <a:endParaRPr lang="es-ES" sz="2000" u="sng" dirty="0"/>
                     </a:p>
                   </a:txBody>
                   <a:tcPr anchor="ctr"/>
@@ -4078,6 +4786,18 @@
                     <a:lstStyle/>
                     <a:p>
                       <a:pPr algn="ctr"/>
+                      <a:r>
+                        <a:rPr lang="es-ES" sz="1800" b="0" i="0" kern="1200" dirty="0" err="1">
+                          <a:solidFill>
+                            <a:schemeClr val="dk1"/>
+                          </a:solidFill>
+                          <a:effectLst/>
+                          <a:latin typeface="+mn-lt"/>
+                          <a:ea typeface="+mn-ea"/>
+                          <a:cs typeface="+mn-cs"/>
+                        </a:rPr>
+                        <a:t>Agent_K</a:t>
+                      </a:r>
                       <a:endParaRPr lang="es-ES" sz="2000" dirty="0"/>
                     </a:p>
                   </a:txBody>
@@ -4089,6 +4809,42 @@
                     <a:lstStyle/>
                     <a:p>
                       <a:pPr algn="ctr"/>
+                      <a:r>
+                        <a:rPr lang="es-ES" sz="1800" b="0" i="0" kern="1200" dirty="0">
+                          <a:solidFill>
+                            <a:schemeClr val="dk1"/>
+                          </a:solidFill>
+                          <a:effectLst/>
+                          <a:latin typeface="+mn-lt"/>
+                          <a:ea typeface="+mn-ea"/>
+                          <a:cs typeface="+mn-cs"/>
+                        </a:rPr>
+                        <a:t>(0, 1,</a:t>
+                      </a:r>
+                      <a:r>
+                        <a:rPr lang="es-ES" sz="1800" b="1" i="0" kern="1200" dirty="0">
+                          <a:solidFill>
+                            <a:schemeClr val="dk1"/>
+                          </a:solidFill>
+                          <a:effectLst/>
+                          <a:latin typeface="+mn-lt"/>
+                          <a:ea typeface="+mn-ea"/>
+                          <a:cs typeface="+mn-cs"/>
+                        </a:rPr>
+                        <a:t> 0.384</a:t>
+                      </a:r>
+                      <a:r>
+                        <a:rPr lang="es-ES" sz="1800" b="0" i="0" kern="1200" dirty="0">
+                          <a:solidFill>
+                            <a:schemeClr val="dk1"/>
+                          </a:solidFill>
+                          <a:effectLst/>
+                          <a:latin typeface="+mn-lt"/>
+                          <a:ea typeface="+mn-ea"/>
+                          <a:cs typeface="+mn-cs"/>
+                        </a:rPr>
+                        <a:t>)</a:t>
+                      </a:r>
                       <a:endParaRPr lang="es-ES" sz="2000" dirty="0"/>
                     </a:p>
                   </a:txBody>
@@ -4107,6 +4863,18 @@
                     <a:lstStyle/>
                     <a:p>
                       <a:pPr algn="ctr"/>
+                      <a:r>
+                        <a:rPr lang="es-ES" sz="1800" b="0" i="0" kern="1200" dirty="0">
+                          <a:solidFill>
+                            <a:schemeClr val="dk1"/>
+                          </a:solidFill>
+                          <a:effectLst/>
+                          <a:latin typeface="+mn-lt"/>
+                          <a:ea typeface="+mn-ea"/>
+                          <a:cs typeface="+mn-cs"/>
+                        </a:rPr>
+                        <a:t>Agent_K2</a:t>
+                      </a:r>
                       <a:endParaRPr lang="es-ES" sz="2000" dirty="0"/>
                     </a:p>
                   </a:txBody>
@@ -4118,6 +4886,42 @@
                     <a:lstStyle/>
                     <a:p>
                       <a:pPr algn="ctr"/>
+                      <a:r>
+                        <a:rPr lang="es-ES" sz="1800" b="0" i="0" kern="1200" dirty="0">
+                          <a:solidFill>
+                            <a:schemeClr val="dk1"/>
+                          </a:solidFill>
+                          <a:effectLst/>
+                          <a:latin typeface="+mn-lt"/>
+                          <a:ea typeface="+mn-ea"/>
+                          <a:cs typeface="+mn-cs"/>
+                        </a:rPr>
+                        <a:t>(0, 1, </a:t>
+                      </a:r>
+                      <a:r>
+                        <a:rPr lang="es-ES" sz="1800" b="1" i="0" kern="1200" dirty="0">
+                          <a:solidFill>
+                            <a:schemeClr val="dk1"/>
+                          </a:solidFill>
+                          <a:effectLst/>
+                          <a:latin typeface="+mn-lt"/>
+                          <a:ea typeface="+mn-ea"/>
+                          <a:cs typeface="+mn-cs"/>
+                        </a:rPr>
+                        <a:t>0.35</a:t>
+                      </a:r>
+                      <a:r>
+                        <a:rPr lang="es-ES" sz="1800" b="0" i="0" kern="1200" dirty="0">
+                          <a:solidFill>
+                            <a:schemeClr val="dk1"/>
+                          </a:solidFill>
+                          <a:effectLst/>
+                          <a:latin typeface="+mn-lt"/>
+                          <a:ea typeface="+mn-ea"/>
+                          <a:cs typeface="+mn-cs"/>
+                        </a:rPr>
+                        <a:t>)</a:t>
+                      </a:r>
                       <a:endParaRPr lang="es-ES" sz="2000" dirty="0"/>
                     </a:p>
                   </a:txBody>
@@ -4136,6 +4940,90 @@
                     <a:lstStyle/>
                     <a:p>
                       <a:pPr algn="ctr"/>
+                      <a:r>
+                        <a:rPr lang="es-ES" sz="1800" b="0" i="0" kern="1200" dirty="0">
+                          <a:solidFill>
+                            <a:schemeClr val="dk1"/>
+                          </a:solidFill>
+                          <a:effectLst/>
+                          <a:latin typeface="+mn-lt"/>
+                          <a:ea typeface="+mn-ea"/>
+                          <a:cs typeface="+mn-cs"/>
+                        </a:rPr>
+                        <a:t>('</a:t>
+                      </a:r>
+                      <a:r>
+                        <a:rPr lang="es-ES" sz="1800" b="0" i="0" kern="1200" dirty="0" err="1">
+                          <a:solidFill>
+                            <a:schemeClr val="dk1"/>
+                          </a:solidFill>
+                          <a:effectLst/>
+                          <a:latin typeface="+mn-lt"/>
+                          <a:ea typeface="+mn-ea"/>
+                          <a:cs typeface="+mn-cs"/>
+                        </a:rPr>
+                        <a:t>TheNegotiator</a:t>
+                      </a:r>
+                      <a:r>
+                        <a:rPr lang="es-ES" sz="1800" b="0" i="0" kern="1200" dirty="0">
+                          <a:solidFill>
+                            <a:schemeClr val="dk1"/>
+                          </a:solidFill>
+                          <a:effectLst/>
+                          <a:latin typeface="+mn-lt"/>
+                          <a:ea typeface="+mn-ea"/>
+                          <a:cs typeface="+mn-cs"/>
+                        </a:rPr>
+                        <a:t>', 'AC_IAMHaggler2011', '</a:t>
+                      </a:r>
+                      <a:r>
+                        <a:rPr lang="es-ES" sz="1800" b="0" i="0" kern="1200" dirty="0" err="1">
+                          <a:solidFill>
+                            <a:schemeClr val="dk1"/>
+                          </a:solidFill>
+                          <a:effectLst/>
+                          <a:latin typeface="+mn-lt"/>
+                          <a:ea typeface="+mn-ea"/>
+                          <a:cs typeface="+mn-cs"/>
+                        </a:rPr>
+                        <a:t>BayesianModel_m</a:t>
+                      </a:r>
+                      <a:r>
+                        <a:rPr lang="es-ES" sz="1800" b="0" i="0" kern="1200" dirty="0">
+                          <a:solidFill>
+                            <a:schemeClr val="dk1"/>
+                          </a:solidFill>
+                          <a:effectLst/>
+                          <a:latin typeface="+mn-lt"/>
+                          <a:ea typeface="+mn-ea"/>
+                          <a:cs typeface="+mn-cs"/>
+                        </a:rPr>
+                        <a:t>', '</a:t>
+                      </a:r>
+                      <a:r>
+                        <a:rPr lang="es-ES" sz="1800" b="0" i="0" kern="1200" dirty="0" err="1">
+                          <a:solidFill>
+                            <a:schemeClr val="dk1"/>
+                          </a:solidFill>
+                          <a:effectLst/>
+                          <a:latin typeface="+mn-lt"/>
+                          <a:ea typeface="+mn-ea"/>
+                          <a:cs typeface="+mn-cs"/>
+                        </a:rPr>
+                        <a:t>OfferBestN</a:t>
+                      </a:r>
+                      <a:r>
+                        <a:rPr lang="es-ES" sz="1800" b="0" i="0" kern="1200" dirty="0">
+                          <a:solidFill>
+                            <a:schemeClr val="dk1"/>
+                          </a:solidFill>
+                          <a:effectLst/>
+                          <a:latin typeface="+mn-lt"/>
+                          <a:ea typeface="+mn-ea"/>
+                          <a:cs typeface="+mn-cs"/>
+                        </a:rPr>
+                        <a:t>')</a:t>
+                      </a:r>
                       <a:endParaRPr lang="es-ES" sz="2000" dirty="0"/>
                     </a:p>
                   </a:txBody>
@@ -4147,6 +5035,42 @@
                     <a:lstStyle/>
                     <a:p>
                       <a:pPr algn="ctr"/>
+                      <a:r>
+                        <a:rPr lang="es-ES" sz="1800" b="0" i="0" kern="1200" dirty="0">
+                          <a:solidFill>
+                            <a:schemeClr val="dk1"/>
+                          </a:solidFill>
+                          <a:effectLst/>
+                          <a:latin typeface="+mn-lt"/>
+                          <a:ea typeface="+mn-ea"/>
+                          <a:cs typeface="+mn-cs"/>
+                        </a:rPr>
+                        <a:t>(0, 0.986, </a:t>
+                      </a:r>
+                      <a:r>
+                        <a:rPr lang="es-ES" sz="1800" b="1" i="0" kern="1200" dirty="0">
+                          <a:solidFill>
+                            <a:schemeClr val="dk1"/>
+                          </a:solidFill>
+                          <a:effectLst/>
+                          <a:latin typeface="+mn-lt"/>
+                          <a:ea typeface="+mn-ea"/>
+                          <a:cs typeface="+mn-cs"/>
+                        </a:rPr>
+                        <a:t>0.333</a:t>
+                      </a:r>
+                      <a:r>
+                        <a:rPr lang="es-ES" sz="1800" b="0" i="0" kern="1200" dirty="0">
+                          <a:solidFill>
+                            <a:schemeClr val="dk1"/>
+                          </a:solidFill>
+                          <a:effectLst/>
+                          <a:latin typeface="+mn-lt"/>
+                          <a:ea typeface="+mn-ea"/>
+                          <a:cs typeface="+mn-cs"/>
+                        </a:rPr>
+                        <a:t>)</a:t>
+                      </a:r>
                       <a:endParaRPr lang="es-ES" sz="2000" dirty="0"/>
                     </a:p>
                   </a:txBody>
@@ -4165,6 +5089,90 @@
                     <a:lstStyle/>
                     <a:p>
                       <a:pPr algn="ctr"/>
+                      <a:r>
+                        <a:rPr lang="es-ES" sz="1800" b="0" i="0" kern="1200" dirty="0">
+                          <a:solidFill>
+                            <a:schemeClr val="dk1"/>
+                          </a:solidFill>
+                          <a:effectLst/>
+                          <a:latin typeface="+mn-lt"/>
+                          <a:ea typeface="+mn-ea"/>
+                          <a:cs typeface="+mn-cs"/>
+                        </a:rPr>
+                        <a:t>('</a:t>
+                      </a:r>
+                      <a:r>
+                        <a:rPr lang="es-ES" sz="1800" b="0" i="0" kern="1200" dirty="0" err="1">
+                          <a:solidFill>
+                            <a:schemeClr val="dk1"/>
+                          </a:solidFill>
+                          <a:effectLst/>
+                          <a:latin typeface="+mn-lt"/>
+                          <a:ea typeface="+mn-ea"/>
+                          <a:cs typeface="+mn-cs"/>
+                        </a:rPr>
+                        <a:t>Nozomi</a:t>
+                      </a:r>
+                      <a:r>
+                        <a:rPr lang="es-ES" sz="1800" b="0" i="0" kern="1200" dirty="0">
+                          <a:solidFill>
+                            <a:schemeClr val="dk1"/>
+                          </a:solidFill>
+                          <a:effectLst/>
+                          <a:latin typeface="+mn-lt"/>
+                          <a:ea typeface="+mn-ea"/>
+                          <a:cs typeface="+mn-cs"/>
+                        </a:rPr>
+                        <a:t>', 'AC_IAMHaggler2011', '</a:t>
+                      </a:r>
+                      <a:r>
+                        <a:rPr lang="es-ES" sz="1800" b="0" i="0" kern="1200" dirty="0" err="1">
+                          <a:solidFill>
+                            <a:schemeClr val="dk1"/>
+                          </a:solidFill>
+                          <a:effectLst/>
+                          <a:latin typeface="+mn-lt"/>
+                          <a:ea typeface="+mn-ea"/>
+                          <a:cs typeface="+mn-cs"/>
+                        </a:rPr>
+                        <a:t>UniformModel</a:t>
+                      </a:r>
+                      <a:r>
+                        <a:rPr lang="es-ES" sz="1800" b="0" i="0" kern="1200" dirty="0">
+                          <a:solidFill>
+                            <a:schemeClr val="dk1"/>
+                          </a:solidFill>
+                          <a:effectLst/>
+                          <a:latin typeface="+mn-lt"/>
+                          <a:ea typeface="+mn-ea"/>
+                          <a:cs typeface="+mn-cs"/>
+                        </a:rPr>
+                        <a:t>', '</a:t>
+                      </a:r>
+                      <a:r>
+                        <a:rPr lang="es-ES" sz="1800" b="0" i="0" kern="1200" dirty="0" err="1">
+                          <a:solidFill>
+                            <a:schemeClr val="dk1"/>
+                          </a:solidFill>
+                          <a:effectLst/>
+                          <a:latin typeface="+mn-lt"/>
+                          <a:ea typeface="+mn-ea"/>
+                          <a:cs typeface="+mn-cs"/>
+                        </a:rPr>
+                        <a:t>OfferBestN</a:t>
+                      </a:r>
+                      <a:r>
+                        <a:rPr lang="es-ES" sz="1800" b="0" i="0" kern="1200" dirty="0">
+                          <a:solidFill>
+                            <a:schemeClr val="dk1"/>
+                          </a:solidFill>
+                          <a:effectLst/>
+                          <a:latin typeface="+mn-lt"/>
+                          <a:ea typeface="+mn-ea"/>
+                          <a:cs typeface="+mn-cs"/>
+                        </a:rPr>
+                        <a:t>')</a:t>
+                      </a:r>
                       <a:endParaRPr lang="es-ES" sz="2000" dirty="0"/>
                     </a:p>
                   </a:txBody>
@@ -4176,6 +5184,42 @@
                     <a:lstStyle/>
                     <a:p>
                       <a:pPr algn="ctr"/>
+                      <a:r>
+                        <a:rPr lang="es-ES" sz="1800" b="0" i="0" kern="1200" dirty="0">
+                          <a:solidFill>
+                            <a:schemeClr val="dk1"/>
+                          </a:solidFill>
+                          <a:effectLst/>
+                          <a:latin typeface="+mn-lt"/>
+                          <a:ea typeface="+mn-ea"/>
+                          <a:cs typeface="+mn-cs"/>
+                        </a:rPr>
+                        <a:t>(0, 0.948,</a:t>
+                      </a:r>
+                      <a:r>
+                        <a:rPr lang="es-ES" sz="1800" b="1" i="0" kern="1200" dirty="0">
+                          <a:solidFill>
+                            <a:schemeClr val="dk1"/>
+                          </a:solidFill>
+                          <a:effectLst/>
+                          <a:latin typeface="+mn-lt"/>
+                          <a:ea typeface="+mn-ea"/>
+                          <a:cs typeface="+mn-cs"/>
+                        </a:rPr>
+                        <a:t> 0.32</a:t>
+                      </a:r>
+                      <a:r>
+                        <a:rPr lang="es-ES" sz="1800" b="0" i="0" kern="1200" dirty="0">
+                          <a:solidFill>
+                            <a:schemeClr val="dk1"/>
+                          </a:solidFill>
+                          <a:effectLst/>
+                          <a:latin typeface="+mn-lt"/>
+                          <a:ea typeface="+mn-ea"/>
+                          <a:cs typeface="+mn-cs"/>
+                        </a:rPr>
+                        <a:t>)</a:t>
+                      </a:r>
                       <a:endParaRPr lang="es-ES" sz="2000" dirty="0"/>
                     </a:p>
                   </a:txBody>
@@ -4194,6 +5238,114 @@
                     <a:lstStyle/>
                     <a:p>
                       <a:pPr algn="ctr"/>
+                      <a:r>
+                        <a:rPr lang="es-ES" sz="1800" b="0" i="0" kern="1200" dirty="0">
+                          <a:solidFill>
+                            <a:schemeClr val="dk1"/>
+                          </a:solidFill>
+                          <a:effectLst/>
+                          <a:latin typeface="+mn-lt"/>
+                          <a:ea typeface="+mn-ea"/>
+                          <a:cs typeface="+mn-cs"/>
+                        </a:rPr>
+                        <a:t>('</a:t>
+                      </a:r>
+                      <a:r>
+                        <a:rPr lang="es-ES" sz="1800" b="0" i="0" kern="1200" dirty="0" err="1">
+                          <a:solidFill>
+                            <a:schemeClr val="dk1"/>
+                          </a:solidFill>
+                          <a:effectLst/>
+                          <a:latin typeface="+mn-lt"/>
+                          <a:ea typeface="+mn-ea"/>
+                          <a:cs typeface="+mn-cs"/>
+                        </a:rPr>
+                        <a:t>TheNegotiator</a:t>
+                      </a:r>
+                      <a:r>
+                        <a:rPr lang="es-ES" sz="1800" b="0" i="0" kern="1200" dirty="0">
+                          <a:solidFill>
+                            <a:schemeClr val="dk1"/>
+                          </a:solidFill>
+                          <a:effectLst/>
+                          <a:latin typeface="+mn-lt"/>
+                          <a:ea typeface="+mn-ea"/>
+                          <a:cs typeface="+mn-cs"/>
+                        </a:rPr>
+                        <a:t>', '</a:t>
+                      </a:r>
+                      <a:r>
+                        <a:rPr lang="es-ES" sz="1800" b="0" i="0" kern="1200" dirty="0" err="1">
+                          <a:solidFill>
+                            <a:schemeClr val="dk1"/>
+                          </a:solidFill>
+                          <a:effectLst/>
+                          <a:latin typeface="+mn-lt"/>
+                          <a:ea typeface="+mn-ea"/>
+                          <a:cs typeface="+mn-cs"/>
+                        </a:rPr>
+                        <a:t>AC_HardHeaded</a:t>
+                      </a:r>
+                      <a:r>
+                        <a:rPr lang="es-ES" sz="1800" b="0" i="0" kern="1200" dirty="0">
+                          <a:solidFill>
+                            <a:schemeClr val="dk1"/>
+                          </a:solidFill>
+                          <a:effectLst/>
+                          <a:latin typeface="+mn-lt"/>
+                          <a:ea typeface="+mn-ea"/>
+                          <a:cs typeface="+mn-cs"/>
+                        </a:rPr>
+                        <a:t>', '</a:t>
+                      </a:r>
+                      <a:r>
+                        <a:rPr lang="es-ES" sz="1800" b="0" i="0" kern="1200" dirty="0" err="1">
+                          <a:solidFill>
+                            <a:schemeClr val="dk1"/>
+                          </a:solidFill>
+                          <a:effectLst/>
+                          <a:latin typeface="+mn-lt"/>
+                          <a:ea typeface="+mn-ea"/>
+                          <a:cs typeface="+mn-cs"/>
+                        </a:rPr>
+                        <a:t>OppositeModel</a:t>
+                      </a:r>
+                      <a:r>
+                        <a:rPr lang="es-ES" sz="1800" b="0" i="0" kern="1200" dirty="0">
+                          <a:solidFill>
+                            <a:schemeClr val="dk1"/>
+                          </a:solidFill>
+                          <a:effectLst/>
+                          <a:latin typeface="+mn-lt"/>
+                          <a:ea typeface="+mn-ea"/>
+                          <a:cs typeface="+mn-cs"/>
+                        </a:rPr>
+                        <a:t>', '</a:t>
+                      </a:r>
+                      <a:r>
+                        <a:rPr lang="es-ES" sz="1800" b="0" i="0" kern="1200" dirty="0" err="1">
+                          <a:solidFill>
+                            <a:schemeClr val="dk1"/>
+                          </a:solidFill>
+                          <a:effectLst/>
+                          <a:latin typeface="+mn-lt"/>
+                          <a:ea typeface="+mn-ea"/>
+                          <a:cs typeface="+mn-cs"/>
+                        </a:rPr>
+                        <a:t>OfferBestN</a:t>
+                      </a:r>
+                      <a:r>
+                        <a:rPr lang="es-ES" sz="1800" b="0" i="0" kern="1200" dirty="0">
+                          <a:solidFill>
+                            <a:schemeClr val="dk1"/>
+                          </a:solidFill>
+                          <a:effectLst/>
+                          <a:latin typeface="+mn-lt"/>
+                          <a:ea typeface="+mn-ea"/>
+                          <a:cs typeface="+mn-cs"/>
+                        </a:rPr>
+                        <a:t>')</a:t>
+                      </a:r>
                       <a:endParaRPr lang="es-ES" sz="2000" dirty="0"/>
                     </a:p>
                   </a:txBody>
@@ -4205,6 +5357,42 @@
                     <a:lstStyle/>
                     <a:p>
                       <a:pPr algn="ctr"/>
+                      <a:r>
+                        <a:rPr lang="es-ES" sz="1800" b="0" i="0" kern="1200" dirty="0">
+                          <a:solidFill>
+                            <a:schemeClr val="dk1"/>
+                          </a:solidFill>
+                          <a:effectLst/>
+                          <a:latin typeface="+mn-lt"/>
+                          <a:ea typeface="+mn-ea"/>
+                          <a:cs typeface="+mn-cs"/>
+                        </a:rPr>
+                        <a:t>(0, 0.932,</a:t>
+                      </a:r>
+                      <a:r>
+                        <a:rPr lang="es-ES" sz="1800" b="1" i="0" kern="1200" dirty="0">
+                          <a:solidFill>
+                            <a:schemeClr val="dk1"/>
+                          </a:solidFill>
+                          <a:effectLst/>
+                          <a:latin typeface="+mn-lt"/>
+                          <a:ea typeface="+mn-ea"/>
+                          <a:cs typeface="+mn-cs"/>
+                        </a:rPr>
+                        <a:t> 0.315</a:t>
+                      </a:r>
+                      <a:r>
+                        <a:rPr lang="es-ES" sz="1800" b="0" i="0" kern="1200" dirty="0">
+                          <a:solidFill>
+                            <a:schemeClr val="dk1"/>
+                          </a:solidFill>
+                          <a:effectLst/>
+                          <a:latin typeface="+mn-lt"/>
+                          <a:ea typeface="+mn-ea"/>
+                          <a:cs typeface="+mn-cs"/>
+                        </a:rPr>
+                        <a:t>)</a:t>
+                      </a:r>
                       <a:endParaRPr lang="es-ES" sz="2000" dirty="0"/>
                     </a:p>
                   </a:txBody>
@@ -4317,7 +5505,10 @@
               <a:rPr lang="es-ES" sz="2400" b="1" dirty="0" err="1"/>
               <a:t>domain.xm</a:t>
             </a:r>
-            <a:endParaRPr lang="es-ES" sz="2400" b="1" dirty="0"/>
+            <a:r>
+              <a:rPr lang="es-ES" sz="2400" b="1" dirty="0"/>
+              <a:t> – Hay acuerdo</a:t>
+            </a:r>
           </a:p>
         </p:txBody>
       </p:sp>
@@ -4336,14 +5527,14 @@
           <p:nvPr>
             <p:extLst>
               <p:ext uri="{D42A27DB-BD31-4B8C-83A1-F6EECF244321}">
-                <p14:modId xmlns:p14="http://schemas.microsoft.com/office/powerpoint/2010/main" val="2375946828"/>
+                <p14:modId xmlns:p14="http://schemas.microsoft.com/office/powerpoint/2010/main" val="856915338"/>
               </p:ext>
             </p:extLst>
           </p:nvPr>
         </p:nvGraphicFramePr>
         <p:xfrm>
           <a:off x="3869267" y="1364566"/>
-          <a:ext cx="7474594" cy="4727076"/>
+          <a:ext cx="7474594" cy="4541520"/>
         </p:xfrm>
         <a:graphic>
           <a:graphicData uri="http://schemas.openxmlformats.org/drawingml/2006/table">
@@ -4449,6 +5640,90 @@
                     <a:lstStyle/>
                     <a:p>
                       <a:pPr algn="ctr"/>
+                      <a:r>
+                        <a:rPr lang="es-ES" sz="1800" b="0" i="0" kern="1200" dirty="0">
+                          <a:solidFill>
+                            <a:schemeClr val="dk1"/>
+                          </a:solidFill>
+                          <a:effectLst/>
+                          <a:latin typeface="+mn-lt"/>
+                          <a:ea typeface="+mn-ea"/>
+                          <a:cs typeface="+mn-cs"/>
+                        </a:rPr>
+                        <a:t>('</a:t>
+                      </a:r>
+                      <a:r>
+                        <a:rPr lang="es-ES" sz="1800" b="0" i="0" kern="1200" dirty="0" err="1">
+                          <a:solidFill>
+                            <a:schemeClr val="dk1"/>
+                          </a:solidFill>
+                          <a:effectLst/>
+                          <a:latin typeface="+mn-lt"/>
+                          <a:ea typeface="+mn-ea"/>
+                          <a:cs typeface="+mn-cs"/>
+                        </a:rPr>
+                        <a:t>Nozomi</a:t>
+                      </a:r>
+                      <a:r>
+                        <a:rPr lang="es-ES" sz="1800" b="0" i="0" kern="1200" dirty="0">
+                          <a:solidFill>
+                            <a:schemeClr val="dk1"/>
+                          </a:solidFill>
+                          <a:effectLst/>
+                          <a:latin typeface="+mn-lt"/>
+                          <a:ea typeface="+mn-ea"/>
+                          <a:cs typeface="+mn-cs"/>
+                        </a:rPr>
+                        <a:t>', 'AC_IAMHaggler2011', '</a:t>
+                      </a:r>
+                      <a:r>
+                        <a:rPr lang="es-ES" sz="1800" b="0" i="0" kern="1200" dirty="0" err="1">
+                          <a:solidFill>
+                            <a:schemeClr val="dk1"/>
+                          </a:solidFill>
+                          <a:effectLst/>
+                          <a:latin typeface="+mn-lt"/>
+                          <a:ea typeface="+mn-ea"/>
+                          <a:cs typeface="+mn-cs"/>
+                        </a:rPr>
+                        <a:t>BayesianModel_m</a:t>
+                      </a:r>
+                      <a:r>
+                        <a:rPr lang="es-ES" sz="1800" b="0" i="0" kern="1200" dirty="0">
+                          <a:solidFill>
+                            <a:schemeClr val="dk1"/>
+                          </a:solidFill>
+                          <a:effectLst/>
+                          <a:latin typeface="+mn-lt"/>
+                          <a:ea typeface="+mn-ea"/>
+                          <a:cs typeface="+mn-cs"/>
+                        </a:rPr>
+                        <a:t>', '</a:t>
+                      </a:r>
+                      <a:r>
+                        <a:rPr lang="es-ES" sz="1800" b="0" i="0" kern="1200" dirty="0" err="1">
+                          <a:solidFill>
+                            <a:schemeClr val="dk1"/>
+                          </a:solidFill>
+                          <a:effectLst/>
+                          <a:latin typeface="+mn-lt"/>
+                          <a:ea typeface="+mn-ea"/>
+                          <a:cs typeface="+mn-cs"/>
+                        </a:rPr>
+                        <a:t>OfferBestN</a:t>
+                      </a:r>
+                      <a:r>
+                        <a:rPr lang="es-ES" sz="1800" b="0" i="0" kern="1200" dirty="0">
+                          <a:solidFill>
+                            <a:schemeClr val="dk1"/>
+                          </a:solidFill>
+                          <a:effectLst/>
+                          <a:latin typeface="+mn-lt"/>
+                          <a:ea typeface="+mn-ea"/>
+                          <a:cs typeface="+mn-cs"/>
+                        </a:rPr>
+                        <a:t>')</a:t>
+                      </a:r>
                       <a:endParaRPr lang="es-ES" sz="2000" dirty="0"/>
                     </a:p>
                   </a:txBody>
@@ -4460,7 +5735,43 @@
                     <a:lstStyle/>
                     <a:p>
                       <a:pPr algn="ctr"/>
-                      <a:endParaRPr lang="es-ES" sz="2000"/>
+                      <a:r>
+                        <a:rPr lang="es-ES" sz="1800" b="0" i="0" kern="1200" dirty="0">
+                          <a:solidFill>
+                            <a:schemeClr val="dk1"/>
+                          </a:solidFill>
+                          <a:effectLst/>
+                          <a:latin typeface="+mn-lt"/>
+                          <a:ea typeface="+mn-ea"/>
+                          <a:cs typeface="+mn-cs"/>
+                        </a:rPr>
+                        <a:t>(0, 1, </a:t>
+                      </a:r>
+                      <a:r>
+                        <a:rPr lang="es-ES" sz="1800" b="1" i="0" kern="1200" dirty="0">
+                          <a:solidFill>
+                            <a:schemeClr val="dk1"/>
+                          </a:solidFill>
+                          <a:effectLst/>
+                          <a:latin typeface="+mn-lt"/>
+                          <a:ea typeface="+mn-ea"/>
+                          <a:cs typeface="+mn-cs"/>
+                        </a:rPr>
+                        <a:t>0.5</a:t>
+                      </a:r>
+                      <a:r>
+                        <a:rPr lang="es-ES" sz="1800" b="0" i="0" kern="1200" dirty="0">
+                          <a:solidFill>
+                            <a:schemeClr val="dk1"/>
+                          </a:solidFill>
+                          <a:effectLst/>
+                          <a:latin typeface="+mn-lt"/>
+                          <a:ea typeface="+mn-ea"/>
+                          <a:cs typeface="+mn-cs"/>
+                        </a:rPr>
+                        <a:t>)</a:t>
+                      </a:r>
+                      <a:endParaRPr lang="es-ES" sz="2000" dirty="0"/>
                     </a:p>
                   </a:txBody>
                   <a:tcPr anchor="ctr"/>
@@ -4478,6 +5789,114 @@
                     <a:lstStyle/>
                     <a:p>
                       <a:pPr algn="ctr"/>
+                      <a:r>
+                        <a:rPr lang="es-ES" sz="1800" b="0" i="0" kern="1200" dirty="0">
+                          <a:solidFill>
+                            <a:schemeClr val="dk1"/>
+                          </a:solidFill>
+                          <a:effectLst/>
+                          <a:latin typeface="+mn-lt"/>
+                          <a:ea typeface="+mn-ea"/>
+                          <a:cs typeface="+mn-cs"/>
+                        </a:rPr>
+                        <a:t>('</a:t>
+                      </a:r>
+                      <a:r>
+                        <a:rPr lang="es-ES" sz="1800" b="0" i="0" kern="1200" dirty="0" err="1">
+                          <a:solidFill>
+                            <a:schemeClr val="dk1"/>
+                          </a:solidFill>
+                          <a:effectLst/>
+                          <a:latin typeface="+mn-lt"/>
+                          <a:ea typeface="+mn-ea"/>
+                          <a:cs typeface="+mn-cs"/>
+                        </a:rPr>
+                        <a:t>Nozomi</a:t>
+                      </a:r>
+                      <a:r>
+                        <a:rPr lang="es-ES" sz="1800" b="0" i="0" kern="1200" dirty="0">
+                          <a:solidFill>
+                            <a:schemeClr val="dk1"/>
+                          </a:solidFill>
+                          <a:effectLst/>
+                          <a:latin typeface="+mn-lt"/>
+                          <a:ea typeface="+mn-ea"/>
+                          <a:cs typeface="+mn-cs"/>
+                        </a:rPr>
+                        <a:t>', '</a:t>
+                      </a:r>
+                      <a:r>
+                        <a:rPr lang="es-ES" sz="1800" b="0" i="0" kern="1200" dirty="0" err="1">
+                          <a:solidFill>
+                            <a:schemeClr val="dk1"/>
+                          </a:solidFill>
+                          <a:effectLst/>
+                          <a:latin typeface="+mn-lt"/>
+                          <a:ea typeface="+mn-ea"/>
+                          <a:cs typeface="+mn-cs"/>
+                        </a:rPr>
+                        <a:t>AC_HardHeaded</a:t>
+                      </a:r>
+                      <a:r>
+                        <a:rPr lang="es-ES" sz="1800" b="0" i="0" kern="1200" dirty="0">
+                          <a:solidFill>
+                            <a:schemeClr val="dk1"/>
+                          </a:solidFill>
+                          <a:effectLst/>
+                          <a:latin typeface="+mn-lt"/>
+                          <a:ea typeface="+mn-ea"/>
+                          <a:cs typeface="+mn-cs"/>
+                        </a:rPr>
+                        <a:t>', '</a:t>
+                      </a:r>
+                      <a:r>
+                        <a:rPr lang="es-ES" sz="1800" b="0" i="0" kern="1200" dirty="0" err="1">
+                          <a:solidFill>
+                            <a:schemeClr val="dk1"/>
+                          </a:solidFill>
+                          <a:effectLst/>
+                          <a:latin typeface="+mn-lt"/>
+                          <a:ea typeface="+mn-ea"/>
+                          <a:cs typeface="+mn-cs"/>
+                        </a:rPr>
+                        <a:t>UniformModel</a:t>
+                      </a:r>
+                      <a:r>
+                        <a:rPr lang="es-ES" sz="1800" b="0" i="0" kern="1200" dirty="0">
+                          <a:solidFill>
+                            <a:schemeClr val="dk1"/>
+                          </a:solidFill>
+                          <a:effectLst/>
+                          <a:latin typeface="+mn-lt"/>
+                          <a:ea typeface="+mn-ea"/>
+                          <a:cs typeface="+mn-cs"/>
+                        </a:rPr>
+                        <a:t>', '</a:t>
+                      </a:r>
+                      <a:r>
+                        <a:rPr lang="es-ES" sz="1800" b="0" i="0" kern="1200" dirty="0" err="1">
+                          <a:solidFill>
+                            <a:schemeClr val="dk1"/>
+                          </a:solidFill>
+                          <a:effectLst/>
+                          <a:latin typeface="+mn-lt"/>
+                          <a:ea typeface="+mn-ea"/>
+                          <a:cs typeface="+mn-cs"/>
+                        </a:rPr>
+                        <a:t>OfferBestN</a:t>
+                      </a:r>
+                      <a:r>
+                        <a:rPr lang="es-ES" sz="1800" b="0" i="0" kern="1200" dirty="0">
+                          <a:solidFill>
+                            <a:schemeClr val="dk1"/>
+                          </a:solidFill>
+                          <a:effectLst/>
+                          <a:latin typeface="+mn-lt"/>
+                          <a:ea typeface="+mn-ea"/>
+                          <a:cs typeface="+mn-cs"/>
+                        </a:rPr>
+                        <a:t>')</a:t>
+                      </a:r>
                       <a:endParaRPr lang="es-ES" sz="2000" dirty="0"/>
                     </a:p>
                   </a:txBody>
@@ -4489,6 +5908,42 @@
                     <a:lstStyle/>
                     <a:p>
                       <a:pPr algn="ctr"/>
+                      <a:r>
+                        <a:rPr lang="es-ES" sz="1800" b="0" i="0" kern="1200" dirty="0">
+                          <a:solidFill>
+                            <a:schemeClr val="dk1"/>
+                          </a:solidFill>
+                          <a:effectLst/>
+                          <a:latin typeface="+mn-lt"/>
+                          <a:ea typeface="+mn-ea"/>
+                          <a:cs typeface="+mn-cs"/>
+                        </a:rPr>
+                        <a:t>(0, 1, </a:t>
+                      </a:r>
+                      <a:r>
+                        <a:rPr lang="es-ES" sz="1800" b="1" i="0" kern="1200" dirty="0">
+                          <a:solidFill>
+                            <a:schemeClr val="dk1"/>
+                          </a:solidFill>
+                          <a:effectLst/>
+                          <a:latin typeface="+mn-lt"/>
+                          <a:ea typeface="+mn-ea"/>
+                          <a:cs typeface="+mn-cs"/>
+                        </a:rPr>
+                        <a:t>0.493</a:t>
+                      </a:r>
+                      <a:r>
+                        <a:rPr lang="es-ES" sz="1800" b="0" i="0" kern="1200" dirty="0">
+                          <a:solidFill>
+                            <a:schemeClr val="dk1"/>
+                          </a:solidFill>
+                          <a:effectLst/>
+                          <a:latin typeface="+mn-lt"/>
+                          <a:ea typeface="+mn-ea"/>
+                          <a:cs typeface="+mn-cs"/>
+                        </a:rPr>
+                        <a:t>)</a:t>
+                      </a:r>
                       <a:endParaRPr lang="es-ES" sz="2000" dirty="0"/>
                     </a:p>
                   </a:txBody>
@@ -4507,7 +5962,115 @@
                     <a:lstStyle/>
                     <a:p>
                       <a:pPr algn="ctr"/>
-                      <a:endParaRPr lang="es-ES" sz="2000"/>
+                      <a:r>
+                        <a:rPr lang="es-ES" sz="1800" b="0" i="0" kern="1200" dirty="0">
+                          <a:solidFill>
+                            <a:schemeClr val="dk1"/>
+                          </a:solidFill>
+                          <a:effectLst/>
+                          <a:latin typeface="+mn-lt"/>
+                          <a:ea typeface="+mn-ea"/>
+                          <a:cs typeface="+mn-cs"/>
+                        </a:rPr>
+                        <a:t>('</a:t>
+                      </a:r>
+                      <a:r>
+                        <a:rPr lang="es-ES" sz="1800" b="0" i="0" kern="1200" dirty="0" err="1">
+                          <a:solidFill>
+                            <a:schemeClr val="dk1"/>
+                          </a:solidFill>
+                          <a:effectLst/>
+                          <a:latin typeface="+mn-lt"/>
+                          <a:ea typeface="+mn-ea"/>
+                          <a:cs typeface="+mn-cs"/>
+                        </a:rPr>
+                        <a:t>Nozomi</a:t>
+                      </a:r>
+                      <a:r>
+                        <a:rPr lang="es-ES" sz="1800" b="0" i="0" kern="1200" dirty="0">
+                          <a:solidFill>
+                            <a:schemeClr val="dk1"/>
+                          </a:solidFill>
+                          <a:effectLst/>
+                          <a:latin typeface="+mn-lt"/>
+                          <a:ea typeface="+mn-ea"/>
+                          <a:cs typeface="+mn-cs"/>
+                        </a:rPr>
+                        <a:t>', '</a:t>
+                      </a:r>
+                      <a:r>
+                        <a:rPr lang="es-ES" sz="1800" b="0" i="0" kern="1200" dirty="0" err="1">
+                          <a:solidFill>
+                            <a:schemeClr val="dk1"/>
+                          </a:solidFill>
+                          <a:effectLst/>
+                          <a:latin typeface="+mn-lt"/>
+                          <a:ea typeface="+mn-ea"/>
+                          <a:cs typeface="+mn-cs"/>
+                        </a:rPr>
+                        <a:t>AC_HardHeaded</a:t>
+                      </a:r>
+                      <a:r>
+                        <a:rPr lang="es-ES" sz="1800" b="0" i="0" kern="1200" dirty="0">
+                          <a:solidFill>
+                            <a:schemeClr val="dk1"/>
+                          </a:solidFill>
+                          <a:effectLst/>
+                          <a:latin typeface="+mn-lt"/>
+                          <a:ea typeface="+mn-ea"/>
+                          <a:cs typeface="+mn-cs"/>
+                        </a:rPr>
+                        <a:t>', '</a:t>
+                      </a:r>
+                      <a:r>
+                        <a:rPr lang="es-ES" sz="1800" b="0" i="0" kern="1200" dirty="0" err="1">
+                          <a:solidFill>
+                            <a:schemeClr val="dk1"/>
+                          </a:solidFill>
+                          <a:effectLst/>
+                          <a:latin typeface="+mn-lt"/>
+                          <a:ea typeface="+mn-ea"/>
+                          <a:cs typeface="+mn-cs"/>
+                        </a:rPr>
+                        <a:t>BayesianModel_m</a:t>
+                      </a:r>
+                      <a:r>
+                        <a:rPr lang="es-ES" sz="1800" b="0" i="0" kern="1200" dirty="0">
+                          <a:solidFill>
+                            <a:schemeClr val="dk1"/>
+                          </a:solidFill>
+                          <a:effectLst/>
+                          <a:latin typeface="+mn-lt"/>
+                          <a:ea typeface="+mn-ea"/>
+                          <a:cs typeface="+mn-cs"/>
+                        </a:rPr>
+                        <a:t>', '</a:t>
+                      </a:r>
+                      <a:r>
+                        <a:rPr lang="es-ES" sz="1800" b="0" i="0" kern="1200" dirty="0" err="1">
+                          <a:solidFill>
+                            <a:schemeClr val="dk1"/>
+                          </a:solidFill>
+                          <a:effectLst/>
+                          <a:latin typeface="+mn-lt"/>
+                          <a:ea typeface="+mn-ea"/>
+                          <a:cs typeface="+mn-cs"/>
+                        </a:rPr>
+                        <a:t>OfferBestN</a:t>
+                      </a:r>
+                      <a:r>
+                        <a:rPr lang="es-ES" sz="1800" b="0" i="0" kern="1200" dirty="0">
+                          <a:solidFill>
+                            <a:schemeClr val="dk1"/>
+                          </a:solidFill>
+                          <a:effectLst/>
+                          <a:latin typeface="+mn-lt"/>
+                          <a:ea typeface="+mn-ea"/>
+                          <a:cs typeface="+mn-cs"/>
+                        </a:rPr>
+                        <a:t>')</a:t>
+                      </a:r>
+                      <a:endParaRPr lang="es-ES" sz="2000" dirty="0"/>
                     </a:p>
                   </a:txBody>
                   <a:tcPr anchor="ctr"/>
@@ -4518,7 +6081,43 @@
                     <a:lstStyle/>
                     <a:p>
                       <a:pPr algn="ctr"/>
-                      <a:endParaRPr lang="es-ES" sz="2000"/>
+                      <a:r>
+                        <a:rPr lang="es-ES" sz="1800" b="0" i="0" kern="1200" dirty="0">
+                          <a:solidFill>
+                            <a:schemeClr val="dk1"/>
+                          </a:solidFill>
+                          <a:effectLst/>
+                          <a:latin typeface="+mn-lt"/>
+                          <a:ea typeface="+mn-ea"/>
+                          <a:cs typeface="+mn-cs"/>
+                        </a:rPr>
+                        <a:t>(0, 1, </a:t>
+                      </a:r>
+                      <a:r>
+                        <a:rPr lang="es-ES" sz="1800" b="1" i="0" kern="1200" dirty="0">
+                          <a:solidFill>
+                            <a:schemeClr val="dk1"/>
+                          </a:solidFill>
+                          <a:effectLst/>
+                          <a:latin typeface="+mn-lt"/>
+                          <a:ea typeface="+mn-ea"/>
+                          <a:cs typeface="+mn-cs"/>
+                        </a:rPr>
+                        <a:t>0.447</a:t>
+                      </a:r>
+                      <a:r>
+                        <a:rPr lang="es-ES" sz="1800" b="0" i="0" kern="1200" dirty="0">
+                          <a:solidFill>
+                            <a:schemeClr val="dk1"/>
+                          </a:solidFill>
+                          <a:effectLst/>
+                          <a:latin typeface="+mn-lt"/>
+                          <a:ea typeface="+mn-ea"/>
+                          <a:cs typeface="+mn-cs"/>
+                        </a:rPr>
+                        <a:t>)</a:t>
+                      </a:r>
+                      <a:endParaRPr lang="es-ES" sz="2000" dirty="0"/>
                     </a:p>
                   </a:txBody>
                   <a:tcPr anchor="ctr"/>
@@ -4536,7 +6135,115 @@
                     <a:lstStyle/>
                     <a:p>
                       <a:pPr algn="ctr"/>
-                      <a:endParaRPr lang="es-ES" sz="2000"/>
+                      <a:r>
+                        <a:rPr lang="es-ES" sz="1800" b="0" i="0" kern="1200" dirty="0">
+                          <a:solidFill>
+                            <a:schemeClr val="dk1"/>
+                          </a:solidFill>
+                          <a:effectLst/>
+                          <a:latin typeface="+mn-lt"/>
+                          <a:ea typeface="+mn-ea"/>
+                          <a:cs typeface="+mn-cs"/>
+                        </a:rPr>
+                        <a:t>('</a:t>
+                      </a:r>
+                      <a:r>
+                        <a:rPr lang="es-ES" sz="1800" b="0" i="0" kern="1200" dirty="0" err="1">
+                          <a:solidFill>
+                            <a:schemeClr val="dk1"/>
+                          </a:solidFill>
+                          <a:effectLst/>
+                          <a:latin typeface="+mn-lt"/>
+                          <a:ea typeface="+mn-ea"/>
+                          <a:cs typeface="+mn-cs"/>
+                        </a:rPr>
+                        <a:t>Nozomi</a:t>
+                      </a:r>
+                      <a:r>
+                        <a:rPr lang="es-ES" sz="1800" b="0" i="0" kern="1200" dirty="0">
+                          <a:solidFill>
+                            <a:schemeClr val="dk1"/>
+                          </a:solidFill>
+                          <a:effectLst/>
+                          <a:latin typeface="+mn-lt"/>
+                          <a:ea typeface="+mn-ea"/>
+                          <a:cs typeface="+mn-cs"/>
+                        </a:rPr>
+                        <a:t>', '</a:t>
+                      </a:r>
+                      <a:r>
+                        <a:rPr lang="es-ES" sz="1800" b="0" i="0" kern="1200" dirty="0" err="1">
+                          <a:solidFill>
+                            <a:schemeClr val="dk1"/>
+                          </a:solidFill>
+                          <a:effectLst/>
+                          <a:latin typeface="+mn-lt"/>
+                          <a:ea typeface="+mn-ea"/>
+                          <a:cs typeface="+mn-cs"/>
+                        </a:rPr>
+                        <a:t>AC_HardHeaded</a:t>
+                      </a:r>
+                      <a:r>
+                        <a:rPr lang="es-ES" sz="1800" b="0" i="0" kern="1200" dirty="0">
+                          <a:solidFill>
+                            <a:schemeClr val="dk1"/>
+                          </a:solidFill>
+                          <a:effectLst/>
+                          <a:latin typeface="+mn-lt"/>
+                          <a:ea typeface="+mn-ea"/>
+                          <a:cs typeface="+mn-cs"/>
+                        </a:rPr>
+                        <a:t>', '</a:t>
+                      </a:r>
+                      <a:r>
+                        <a:rPr lang="es-ES" sz="1800" b="0" i="0" kern="1200" dirty="0" err="1">
+                          <a:solidFill>
+                            <a:schemeClr val="dk1"/>
+                          </a:solidFill>
+                          <a:effectLst/>
+                          <a:latin typeface="+mn-lt"/>
+                          <a:ea typeface="+mn-ea"/>
+                          <a:cs typeface="+mn-cs"/>
+                        </a:rPr>
+                        <a:t>OppositeModel</a:t>
+                      </a:r>
+                      <a:r>
+                        <a:rPr lang="es-ES" sz="1800" b="0" i="0" kern="1200" dirty="0">
+                          <a:solidFill>
+                            <a:schemeClr val="dk1"/>
+                          </a:solidFill>
+                          <a:effectLst/>
+                          <a:latin typeface="+mn-lt"/>
+                          <a:ea typeface="+mn-ea"/>
+                          <a:cs typeface="+mn-cs"/>
+                        </a:rPr>
+                        <a:t>', '</a:t>
+                      </a:r>
+                      <a:r>
+                        <a:rPr lang="es-ES" sz="1800" b="0" i="0" kern="1200" dirty="0" err="1">
+                          <a:solidFill>
+                            <a:schemeClr val="dk1"/>
+                          </a:solidFill>
+                          <a:effectLst/>
+                          <a:latin typeface="+mn-lt"/>
+                          <a:ea typeface="+mn-ea"/>
+                          <a:cs typeface="+mn-cs"/>
+                        </a:rPr>
+                        <a:t>OfferBestN</a:t>
+                      </a:r>
+                      <a:r>
+                        <a:rPr lang="es-ES" sz="1800" b="0" i="0" kern="1200" dirty="0">
+                          <a:solidFill>
+                            <a:schemeClr val="dk1"/>
+                          </a:solidFill>
+                          <a:effectLst/>
+                          <a:latin typeface="+mn-lt"/>
+                          <a:ea typeface="+mn-ea"/>
+                          <a:cs typeface="+mn-cs"/>
+                        </a:rPr>
+                        <a:t>')</a:t>
+                      </a:r>
+                      <a:endParaRPr lang="es-ES" sz="2000" dirty="0"/>
                     </a:p>
                   </a:txBody>
                   <a:tcPr anchor="ctr"/>
@@ -4547,7 +6254,43 @@
                     <a:lstStyle/>
                     <a:p>
                       <a:pPr algn="ctr"/>
-                      <a:endParaRPr lang="es-ES" sz="2000"/>
+                      <a:r>
+                        <a:rPr lang="es-ES" sz="1800" b="0" i="0" kern="1200" dirty="0">
+                          <a:solidFill>
+                            <a:schemeClr val="dk1"/>
+                          </a:solidFill>
+                          <a:effectLst/>
+                          <a:latin typeface="+mn-lt"/>
+                          <a:ea typeface="+mn-ea"/>
+                          <a:cs typeface="+mn-cs"/>
+                        </a:rPr>
+                        <a:t>(0, 1, </a:t>
+                      </a:r>
+                      <a:r>
+                        <a:rPr lang="es-ES" sz="1800" b="1" i="0" kern="1200" dirty="0">
+                          <a:solidFill>
+                            <a:schemeClr val="dk1"/>
+                          </a:solidFill>
+                          <a:effectLst/>
+                          <a:latin typeface="+mn-lt"/>
+                          <a:ea typeface="+mn-ea"/>
+                          <a:cs typeface="+mn-cs"/>
+                        </a:rPr>
+                        <a:t>0.445</a:t>
+                      </a:r>
+                      <a:r>
+                        <a:rPr lang="es-ES" sz="1800" b="0" i="0" kern="1200" dirty="0">
+                          <a:solidFill>
+                            <a:schemeClr val="dk1"/>
+                          </a:solidFill>
+                          <a:effectLst/>
+                          <a:latin typeface="+mn-lt"/>
+                          <a:ea typeface="+mn-ea"/>
+                          <a:cs typeface="+mn-cs"/>
+                        </a:rPr>
+                        <a:t>)</a:t>
+                      </a:r>
+                      <a:endParaRPr lang="es-ES" sz="2000" dirty="0"/>
                     </a:p>
                   </a:txBody>
                   <a:tcPr anchor="ctr"/>
@@ -4565,7 +6308,91 @@
                     <a:lstStyle/>
                     <a:p>
                       <a:pPr algn="ctr"/>
-                      <a:endParaRPr lang="es-ES" sz="2000"/>
+                      <a:r>
+                        <a:rPr lang="es-ES" sz="1800" b="0" i="0" kern="1200" dirty="0">
+                          <a:solidFill>
+                            <a:schemeClr val="dk1"/>
+                          </a:solidFill>
+                          <a:effectLst/>
+                          <a:latin typeface="+mn-lt"/>
+                          <a:ea typeface="+mn-ea"/>
+                          <a:cs typeface="+mn-cs"/>
+                        </a:rPr>
+                        <a:t>('</a:t>
+                      </a:r>
+                      <a:r>
+                        <a:rPr lang="es-ES" sz="1800" b="0" i="0" kern="1200" dirty="0" err="1">
+                          <a:solidFill>
+                            <a:schemeClr val="dk1"/>
+                          </a:solidFill>
+                          <a:effectLst/>
+                          <a:latin typeface="+mn-lt"/>
+                          <a:ea typeface="+mn-ea"/>
+                          <a:cs typeface="+mn-cs"/>
+                        </a:rPr>
+                        <a:t>Nozomi</a:t>
+                      </a:r>
+                      <a:r>
+                        <a:rPr lang="es-ES" sz="1800" b="0" i="0" kern="1200" dirty="0">
+                          <a:solidFill>
+                            <a:schemeClr val="dk1"/>
+                          </a:solidFill>
+                          <a:effectLst/>
+                          <a:latin typeface="+mn-lt"/>
+                          <a:ea typeface="+mn-ea"/>
+                          <a:cs typeface="+mn-cs"/>
+                        </a:rPr>
+                        <a:t>', 'AC_IAMHaggler2011', '</a:t>
+                      </a:r>
+                      <a:r>
+                        <a:rPr lang="es-ES" sz="1800" b="0" i="0" kern="1200" dirty="0" err="1">
+                          <a:solidFill>
+                            <a:schemeClr val="dk1"/>
+                          </a:solidFill>
+                          <a:effectLst/>
+                          <a:latin typeface="+mn-lt"/>
+                          <a:ea typeface="+mn-ea"/>
+                          <a:cs typeface="+mn-cs"/>
+                        </a:rPr>
+                        <a:t>UniformModel</a:t>
+                      </a:r>
+                      <a:r>
+                        <a:rPr lang="es-ES" sz="1800" b="0" i="0" kern="1200" dirty="0">
+                          <a:solidFill>
+                            <a:schemeClr val="dk1"/>
+                          </a:solidFill>
+                          <a:effectLst/>
+                          <a:latin typeface="+mn-lt"/>
+                          <a:ea typeface="+mn-ea"/>
+                          <a:cs typeface="+mn-cs"/>
+                        </a:rPr>
+                        <a:t>', '</a:t>
+                      </a:r>
+                      <a:r>
+                        <a:rPr lang="es-ES" sz="1800" b="0" i="0" kern="1200" dirty="0" err="1">
+                          <a:solidFill>
+                            <a:schemeClr val="dk1"/>
+                          </a:solidFill>
+                          <a:effectLst/>
+                          <a:latin typeface="+mn-lt"/>
+                          <a:ea typeface="+mn-ea"/>
+                          <a:cs typeface="+mn-cs"/>
+                        </a:rPr>
+                        <a:t>OfferBestN</a:t>
+                      </a:r>
+                      <a:r>
+                        <a:rPr lang="es-ES" sz="1800" b="0" i="0" kern="1200" dirty="0">
+                          <a:solidFill>
+                            <a:schemeClr val="dk1"/>
+                          </a:solidFill>
+                          <a:effectLst/>
+                          <a:latin typeface="+mn-lt"/>
+                          <a:ea typeface="+mn-ea"/>
+                          <a:cs typeface="+mn-cs"/>
+                        </a:rPr>
+                        <a:t>')</a:t>
+                      </a:r>
+                      <a:endParaRPr lang="es-ES" sz="2000" dirty="0"/>
                     </a:p>
                   </a:txBody>
                   <a:tcPr anchor="ctr"/>
@@ -4576,7 +6403,43 @@
                     <a:lstStyle/>
                     <a:p>
                       <a:pPr algn="ctr"/>
-                      <a:endParaRPr lang="es-ES" sz="2000"/>
+                      <a:r>
+                        <a:rPr lang="es-ES" sz="1800" b="0" i="0" kern="1200" dirty="0">
+                          <a:solidFill>
+                            <a:schemeClr val="dk1"/>
+                          </a:solidFill>
+                          <a:effectLst/>
+                          <a:latin typeface="+mn-lt"/>
+                          <a:ea typeface="+mn-ea"/>
+                          <a:cs typeface="+mn-cs"/>
+                        </a:rPr>
+                        <a:t>(0, 1,</a:t>
+                      </a:r>
+                      <a:r>
+                        <a:rPr lang="es-ES" sz="1800" b="1" i="0" kern="1200" dirty="0">
+                          <a:solidFill>
+                            <a:schemeClr val="dk1"/>
+                          </a:solidFill>
+                          <a:effectLst/>
+                          <a:latin typeface="+mn-lt"/>
+                          <a:ea typeface="+mn-ea"/>
+                          <a:cs typeface="+mn-cs"/>
+                        </a:rPr>
+                        <a:t> 0.433</a:t>
+                      </a:r>
+                      <a:r>
+                        <a:rPr lang="es-ES" sz="1800" b="0" i="0" kern="1200" dirty="0">
+                          <a:solidFill>
+                            <a:schemeClr val="dk1"/>
+                          </a:solidFill>
+                          <a:effectLst/>
+                          <a:latin typeface="+mn-lt"/>
+                          <a:ea typeface="+mn-ea"/>
+                          <a:cs typeface="+mn-cs"/>
+                        </a:rPr>
+                        <a:t>)</a:t>
+                      </a:r>
+                      <a:endParaRPr lang="es-ES" sz="2000" dirty="0"/>
                     </a:p>
                   </a:txBody>
                   <a:tcPr anchor="ctr"/>
@@ -4594,35 +6457,90 @@
                     <a:lstStyle/>
                     <a:p>
                       <a:pPr algn="ctr"/>
-                      <a:endParaRPr lang="es-ES" sz="2000"/>
-                    </a:p>
-                  </a:txBody>
-                  <a:tcPr anchor="ctr"/>
-                </a:tc>
-                <a:tc>
-                  <a:txBody>
-                    <a:bodyPr/>
-                    <a:lstStyle/>
-                    <a:p>
-                      <a:pPr algn="ctr"/>
-                      <a:endParaRPr lang="es-ES" sz="2000"/>
-                    </a:p>
-                  </a:txBody>
-                  <a:tcPr anchor="ctr"/>
-                </a:tc>
-                <a:extLst>
-                  <a:ext uri="{0D108BD9-81ED-4DB2-BD59-A6C34878D82A}">
-                    <a16:rowId xmlns:a16="http://schemas.microsoft.com/office/drawing/2014/main" val="1942036124"/>
-                  </a:ext>
-                </a:extLst>
-              </a:tr>
-              <a:tr h="575148">
-                <a:tc>
-                  <a:txBody>
-                    <a:bodyPr/>
-                    <a:lstStyle/>
-                    <a:p>
-                      <a:pPr algn="ctr"/>
+                      <a:r>
+                        <a:rPr lang="es-ES" sz="1800" b="0" i="0" kern="1200" dirty="0">
+                          <a:solidFill>
+                            <a:schemeClr val="dk1"/>
+                          </a:solidFill>
+                          <a:effectLst/>
+                          <a:latin typeface="+mn-lt"/>
+                          <a:ea typeface="+mn-ea"/>
+                          <a:cs typeface="+mn-cs"/>
+                        </a:rPr>
+                        <a:t>('</a:t>
+                      </a:r>
+                      <a:r>
+                        <a:rPr lang="es-ES" sz="1800" b="0" i="0" kern="1200" dirty="0" err="1">
+                          <a:solidFill>
+                            <a:schemeClr val="dk1"/>
+                          </a:solidFill>
+                          <a:effectLst/>
+                          <a:latin typeface="+mn-lt"/>
+                          <a:ea typeface="+mn-ea"/>
+                          <a:cs typeface="+mn-cs"/>
+                        </a:rPr>
+                        <a:t>Nozomi</a:t>
+                      </a:r>
+                      <a:r>
+                        <a:rPr lang="es-ES" sz="1800" b="0" i="0" kern="1200" dirty="0">
+                          <a:solidFill>
+                            <a:schemeClr val="dk1"/>
+                          </a:solidFill>
+                          <a:effectLst/>
+                          <a:latin typeface="+mn-lt"/>
+                          <a:ea typeface="+mn-ea"/>
+                          <a:cs typeface="+mn-cs"/>
+                        </a:rPr>
+                        <a:t>', 'AC_IAMHaggler2011', '</a:t>
+                      </a:r>
+                      <a:r>
+                        <a:rPr lang="es-ES" sz="1800" b="0" i="0" kern="1200" dirty="0" err="1">
+                          <a:solidFill>
+                            <a:schemeClr val="dk1"/>
+                          </a:solidFill>
+                          <a:effectLst/>
+                          <a:latin typeface="+mn-lt"/>
+                          <a:ea typeface="+mn-ea"/>
+                          <a:cs typeface="+mn-cs"/>
+                        </a:rPr>
+                        <a:t>OppositeModel</a:t>
+                      </a:r>
+                      <a:r>
+                        <a:rPr lang="es-ES" sz="1800" b="0" i="0" kern="1200" dirty="0">
+                          <a:solidFill>
+                            <a:schemeClr val="dk1"/>
+                          </a:solidFill>
+                          <a:effectLst/>
+                          <a:latin typeface="+mn-lt"/>
+                          <a:ea typeface="+mn-ea"/>
+                          <a:cs typeface="+mn-cs"/>
+                        </a:rPr>
+                        <a:t>', '</a:t>
+                      </a:r>
+                      <a:r>
+                        <a:rPr lang="es-ES" sz="1800" b="0" i="0" kern="1200" dirty="0" err="1">
+                          <a:solidFill>
+                            <a:schemeClr val="dk1"/>
+                          </a:solidFill>
+                          <a:effectLst/>
+                          <a:latin typeface="+mn-lt"/>
+                          <a:ea typeface="+mn-ea"/>
+                          <a:cs typeface="+mn-cs"/>
+                        </a:rPr>
+                        <a:t>OfferBestN</a:t>
+                      </a:r>
+                      <a:r>
+                        <a:rPr lang="es-ES" sz="1800" b="0" i="0" kern="1200" dirty="0">
+                          <a:solidFill>
+                            <a:schemeClr val="dk1"/>
+                          </a:solidFill>
+                          <a:effectLst/>
+                          <a:latin typeface="+mn-lt"/>
+                          <a:ea typeface="+mn-ea"/>
+                          <a:cs typeface="+mn-cs"/>
+                        </a:rPr>
+                        <a:t>')</a:t>
+                      </a:r>
                       <a:endParaRPr lang="es-ES" sz="2000" dirty="0"/>
                     </a:p>
                   </a:txBody>
@@ -4634,6 +6552,42 @@
                     <a:lstStyle/>
                     <a:p>
                       <a:pPr algn="ctr"/>
+                      <a:r>
+                        <a:rPr lang="es-ES" sz="1800" b="0" i="0" kern="1200" dirty="0">
+                          <a:solidFill>
+                            <a:schemeClr val="dk1"/>
+                          </a:solidFill>
+                          <a:effectLst/>
+                          <a:latin typeface="+mn-lt"/>
+                          <a:ea typeface="+mn-ea"/>
+                          <a:cs typeface="+mn-cs"/>
+                        </a:rPr>
+                        <a:t>0, 1, </a:t>
+                      </a:r>
+                      <a:r>
+                        <a:rPr lang="es-ES" sz="1800" b="1" i="0" kern="1200" dirty="0">
+                          <a:solidFill>
+                            <a:schemeClr val="dk1"/>
+                          </a:solidFill>
+                          <a:effectLst/>
+                          <a:latin typeface="+mn-lt"/>
+                          <a:ea typeface="+mn-ea"/>
+                          <a:cs typeface="+mn-cs"/>
+                        </a:rPr>
+                        <a:t>0.42</a:t>
+                      </a:r>
+                      <a:r>
+                        <a:rPr lang="es-ES" sz="1800" b="0" i="0" kern="1200" dirty="0">
+                          <a:solidFill>
+                            <a:schemeClr val="dk1"/>
+                          </a:solidFill>
+                          <a:effectLst/>
+                          <a:latin typeface="+mn-lt"/>
+                          <a:ea typeface="+mn-ea"/>
+                          <a:cs typeface="+mn-cs"/>
+                        </a:rPr>
+                        <a:t>)</a:t>
+                      </a:r>
                       <a:endParaRPr lang="es-ES" sz="2000" dirty="0"/>
                     </a:p>
                   </a:txBody>
@@ -4641,7 +6595,7 @@
                 </a:tc>
                 <a:extLst>
                   <a:ext uri="{0D108BD9-81ED-4DB2-BD59-A6C34878D82A}">
-                    <a16:rowId xmlns:a16="http://schemas.microsoft.com/office/drawing/2014/main" val="344098165"/>
+                    <a16:rowId xmlns:a16="http://schemas.microsoft.com/office/drawing/2014/main" val="1942036124"/>
                   </a:ext>
                 </a:extLst>
               </a:tr>
@@ -4704,6 +6658,372 @@
               <a:rPr lang="es-ES" dirty="0"/>
               <a:t>Conclusiones</a:t>
             </a:r>
+          </a:p>
+        </p:txBody>
+      </p:sp>
+      <p:sp>
+        <p:nvSpPr>
+          <p:cNvPr id="3" name="Marcador de contenido 2">
+            <a:extLst>
+              <a:ext uri="{FF2B5EF4-FFF2-40B4-BE49-F238E27FC236}">
+                <a16:creationId xmlns:a16="http://schemas.microsoft.com/office/drawing/2014/main" id="{A8596E81-E08F-4A9F-A049-CF6C0687FA82}"/>
+              </a:ext>
+            </a:extLst>
+          </p:cNvPr>
+          <p:cNvSpPr txBox="1">
+            <a:spLocks/>
+          </p:cNvSpPr>
+          <p:nvPr/>
+        </p:nvSpPr>
+        <p:spPr>
+          <a:xfrm>
+            <a:off x="3869268" y="1502484"/>
+            <a:ext cx="7315200" cy="4491408"/>
+          </a:xfrm>
+          <a:prstGeom prst="rect">
+            <a:avLst/>
+          </a:prstGeom>
+        </p:spPr>
+        <p:txBody>
+          <a:bodyPr vert="horz" lIns="91440" tIns="45720" rIns="91440" bIns="45720" rtlCol="0" anchor="ctr">
+            <a:noAutofit/>
+          </a:bodyPr>
+          <a:lstStyle>
+            <a:lvl1pPr marL="182880" indent="-182880" algn="l" defTabSz="914400" rtl="0" eaLnBrk="1" latinLnBrk="0" hangingPunct="1">
+              <a:lnSpc>
+                <a:spcPct val="90000"/>
+              </a:lnSpc>
+              <a:spcBef>
+                <a:spcPts val="1200"/>
+              </a:spcBef>
+              <a:buClr>
+                <a:schemeClr val="accent1"/>
+              </a:buClr>
+              <a:buFont typeface="Wingdings 2" pitchFamily="18" charset="2"/>
+              <a:buChar char=""/>
+              <a:defRPr sz="2000" kern="1200">
+                <a:solidFill>
+                  <a:schemeClr val="tx1">
+                    <a:lumMod val="65000"/>
+                    <a:lumOff val="35000"/>
+                  </a:schemeClr>
+                </a:solidFill>
+                <a:latin typeface="+mn-lt"/>
+                <a:ea typeface="+mn-ea"/>
+                <a:cs typeface="+mn-cs"/>
+              </a:defRPr>
+            </a:lvl1pPr>
+            <a:lvl2pPr marL="685800" indent="-182880" algn="l" defTabSz="914400" rtl="0" eaLnBrk="1" latinLnBrk="0" hangingPunct="1">
+              <a:lnSpc>
+                <a:spcPct val="90000"/>
+              </a:lnSpc>
+              <a:spcBef>
+                <a:spcPts val="250"/>
+              </a:spcBef>
+              <a:spcAft>
+                <a:spcPts val="250"/>
+              </a:spcAft>
+              <a:buClr>
+                <a:schemeClr val="accent1"/>
+              </a:buClr>
+              <a:buFont typeface="Wingdings 2" pitchFamily="18" charset="2"/>
+              <a:buChar char=""/>
+              <a:defRPr sz="1800" kern="1200">
+                <a:solidFill>
+                  <a:schemeClr val="tx1">
+                    <a:lumMod val="65000"/>
+                    <a:lumOff val="35000"/>
+                  </a:schemeClr>
+                </a:solidFill>
+                <a:latin typeface="+mn-lt"/>
+                <a:ea typeface="+mn-ea"/>
+                <a:cs typeface="+mn-cs"/>
+              </a:defRPr>
+            </a:lvl2pPr>
+            <a:lvl3pPr marL="1143000" indent="-182880" algn="l" defTabSz="914400" rtl="0" eaLnBrk="1" latinLnBrk="0" hangingPunct="1">
+              <a:lnSpc>
+                <a:spcPct val="90000"/>
+              </a:lnSpc>
+              <a:spcBef>
+                <a:spcPts val="250"/>
+              </a:spcBef>
+              <a:spcAft>
+                <a:spcPts val="250"/>
+              </a:spcAft>
+              <a:buClr>
+                <a:schemeClr val="accent1"/>
+              </a:buClr>
+              <a:buFont typeface="Wingdings 2" pitchFamily="18" charset="2"/>
+              <a:buChar char=""/>
+              <a:defRPr sz="1600" kern="1200">
+                <a:solidFill>
+                  <a:schemeClr val="tx1">
+                    <a:lumMod val="65000"/>
+                    <a:lumOff val="35000"/>
+                  </a:schemeClr>
+                </a:solidFill>
+                <a:latin typeface="+mn-lt"/>
+                <a:ea typeface="+mn-ea"/>
+                <a:cs typeface="+mn-cs"/>
+              </a:defRPr>
+            </a:lvl3pPr>
+            <a:lvl4pPr marL="1600200" indent="-182880" algn="l" defTabSz="914400" rtl="0" eaLnBrk="1" latinLnBrk="0" hangingPunct="1">
+              <a:lnSpc>
+                <a:spcPct val="90000"/>
+              </a:lnSpc>
+              <a:spcBef>
+                <a:spcPts val="250"/>
+              </a:spcBef>
+              <a:spcAft>
+                <a:spcPts val="250"/>
+              </a:spcAft>
+              <a:buClr>
+                <a:schemeClr val="accent1"/>
+              </a:buClr>
+              <a:buFont typeface="Wingdings 2" pitchFamily="18" charset="2"/>
+              <a:buChar char=""/>
+              <a:defRPr sz="1400" kern="1200">
+                <a:solidFill>
+                  <a:schemeClr val="tx1">
+                    <a:lumMod val="65000"/>
+                    <a:lumOff val="35000"/>
+                  </a:schemeClr>
+                </a:solidFill>
+                <a:latin typeface="+mn-lt"/>
+                <a:ea typeface="+mn-ea"/>
+                <a:cs typeface="+mn-cs"/>
+              </a:defRPr>
+            </a:lvl4pPr>
+            <a:lvl5pPr marL="2057400" indent="-182880" algn="l" defTabSz="914400" rtl="0" eaLnBrk="1" latinLnBrk="0" hangingPunct="1">
+              <a:lnSpc>
+                <a:spcPct val="90000"/>
+              </a:lnSpc>
+              <a:spcBef>
+                <a:spcPts val="250"/>
+              </a:spcBef>
+              <a:spcAft>
+                <a:spcPts val="250"/>
+              </a:spcAft>
+              <a:buClr>
+                <a:schemeClr val="accent1"/>
+              </a:buClr>
+              <a:buFont typeface="Wingdings 2" pitchFamily="18" charset="2"/>
+              <a:buChar char=""/>
+              <a:defRPr sz="1400" kern="1200">
+                <a:solidFill>
+                  <a:schemeClr val="tx1">
+                    <a:lumMod val="65000"/>
+                    <a:lumOff val="35000"/>
+                  </a:schemeClr>
+                </a:solidFill>
+                <a:latin typeface="+mn-lt"/>
+                <a:ea typeface="+mn-ea"/>
+                <a:cs typeface="+mn-cs"/>
+              </a:defRPr>
+            </a:lvl5pPr>
+            <a:lvl6pPr marL="2514600" indent="-228600" algn="l" defTabSz="914400" rtl="0" eaLnBrk="1" latinLnBrk="0" hangingPunct="1">
+              <a:lnSpc>
+                <a:spcPct val="90000"/>
+              </a:lnSpc>
+              <a:spcBef>
+                <a:spcPts val="250"/>
+              </a:spcBef>
+              <a:spcAft>
+                <a:spcPts val="250"/>
+              </a:spcAft>
+              <a:buClr>
+                <a:schemeClr val="accent1"/>
+              </a:buClr>
+              <a:buFont typeface="Wingdings 2" pitchFamily="18" charset="2"/>
+              <a:buChar char=""/>
+              <a:defRPr sz="1400" kern="1200">
+                <a:solidFill>
+                  <a:schemeClr val="tx1">
+                    <a:lumMod val="65000"/>
+                    <a:lumOff val="35000"/>
+                  </a:schemeClr>
+                </a:solidFill>
+                <a:latin typeface="+mn-lt"/>
+                <a:ea typeface="+mn-ea"/>
+                <a:cs typeface="+mn-cs"/>
+              </a:defRPr>
+            </a:lvl6pPr>
+            <a:lvl7pPr marL="2971800" indent="-228600" algn="l" defTabSz="914400" rtl="0" eaLnBrk="1" latinLnBrk="0" hangingPunct="1">
+              <a:lnSpc>
+                <a:spcPct val="90000"/>
+              </a:lnSpc>
+              <a:spcBef>
+                <a:spcPts val="250"/>
+              </a:spcBef>
+              <a:spcAft>
+                <a:spcPts val="250"/>
+              </a:spcAft>
+              <a:buClr>
+                <a:schemeClr val="accent1"/>
+              </a:buClr>
+              <a:buFont typeface="Wingdings 2" pitchFamily="18" charset="2"/>
+              <a:buChar char=""/>
+              <a:defRPr sz="1400" kern="1200">
+                <a:solidFill>
+                  <a:schemeClr val="tx1">
+                    <a:lumMod val="65000"/>
+                    <a:lumOff val="35000"/>
+                  </a:schemeClr>
+                </a:solidFill>
+                <a:latin typeface="+mn-lt"/>
+                <a:ea typeface="+mn-ea"/>
+                <a:cs typeface="+mn-cs"/>
+              </a:defRPr>
+            </a:lvl7pPr>
+            <a:lvl8pPr marL="3429000" indent="-228600" algn="l" defTabSz="914400" rtl="0" eaLnBrk="1" latinLnBrk="0" hangingPunct="1">
+              <a:lnSpc>
+                <a:spcPct val="90000"/>
+              </a:lnSpc>
+              <a:spcBef>
+                <a:spcPts val="250"/>
+              </a:spcBef>
+              <a:spcAft>
+                <a:spcPts val="250"/>
+              </a:spcAft>
+              <a:buClr>
+                <a:schemeClr val="accent1"/>
+              </a:buClr>
+              <a:buFont typeface="Wingdings 2" pitchFamily="18" charset="2"/>
+              <a:buChar char=""/>
+              <a:defRPr sz="1400" kern="1200">
+                <a:solidFill>
+                  <a:schemeClr val="tx1">
+                    <a:lumMod val="65000"/>
+                    <a:lumOff val="35000"/>
+                  </a:schemeClr>
+                </a:solidFill>
+                <a:latin typeface="+mn-lt"/>
+                <a:ea typeface="+mn-ea"/>
+                <a:cs typeface="+mn-cs"/>
+              </a:defRPr>
+            </a:lvl8pPr>
+            <a:lvl9pPr marL="3886200" indent="-228600" algn="l" defTabSz="914400" rtl="0" eaLnBrk="1" latinLnBrk="0" hangingPunct="1">
+              <a:lnSpc>
+                <a:spcPct val="90000"/>
+              </a:lnSpc>
+              <a:spcBef>
+                <a:spcPts val="250"/>
+              </a:spcBef>
+              <a:spcAft>
+                <a:spcPts val="250"/>
+              </a:spcAft>
+              <a:buClr>
+                <a:schemeClr val="accent1"/>
+              </a:buClr>
+              <a:buFont typeface="Wingdings 2" pitchFamily="18" charset="2"/>
+              <a:buChar char=""/>
+              <a:defRPr sz="1400" kern="1200">
+                <a:solidFill>
+                  <a:schemeClr val="tx1">
+                    <a:lumMod val="65000"/>
+                    <a:lumOff val="35000"/>
+                  </a:schemeClr>
+                </a:solidFill>
+                <a:latin typeface="+mn-lt"/>
+                <a:ea typeface="+mn-ea"/>
+                <a:cs typeface="+mn-cs"/>
+              </a:defRPr>
+            </a:lvl9pPr>
+          </a:lstStyle>
+          <a:p>
+            <a:pPr algn="just"/>
+            <a:r>
+              <a:rPr lang="es-ES" b="1" dirty="0"/>
+              <a:t>Mejoran con la complejidad</a:t>
+            </a:r>
+          </a:p>
+          <a:p>
+            <a:pPr lvl="1" algn="just"/>
+            <a:r>
+              <a:rPr lang="es-ES" dirty="0"/>
+              <a:t>Mientras que los modelos de agente monolíticos empiezan a resentirse en dominios más complejos los agentes BOA aprovechan para resaltar</a:t>
+            </a:r>
+          </a:p>
+          <a:p>
+            <a:pPr algn="just"/>
+            <a:r>
+              <a:rPr lang="es-ES" b="1" dirty="0"/>
+              <a:t>No destacan en dominios simples</a:t>
+            </a:r>
+            <a:r>
+              <a:rPr lang="es-ES" dirty="0"/>
+              <a:t> </a:t>
+            </a:r>
+          </a:p>
+          <a:p>
+            <a:pPr lvl="1" algn="just"/>
+            <a:r>
+              <a:rPr lang="es-ES" dirty="0"/>
+              <a:t>A nivel básico, los agentes no modulares llevan la ventaja</a:t>
+            </a:r>
+            <a:endParaRPr lang="es-ES" b="1" i="1" dirty="0"/>
+          </a:p>
+          <a:p>
+            <a:pPr algn="just"/>
+            <a:r>
+              <a:rPr lang="es-ES" b="1" dirty="0"/>
+              <a:t>Algunos dominios están balanceados en favor de un dominio</a:t>
+            </a:r>
+          </a:p>
+          <a:p>
+            <a:pPr lvl="1" algn="just"/>
+            <a:r>
+              <a:rPr lang="es-ES" dirty="0"/>
+              <a:t>La victoria puede estar más cerca si se parte de un perfil más favorecedor. Las medias son bajas, pese a estar </a:t>
+            </a:r>
+            <a:r>
+              <a:rPr lang="es-ES" dirty="0" err="1"/>
+              <a:t>renormalizadas</a:t>
+            </a:r>
+            <a:endParaRPr lang="es-ES" dirty="0"/>
+          </a:p>
+          <a:p>
+            <a:pPr algn="just"/>
+            <a:r>
+              <a:rPr lang="es-ES" b="1" dirty="0"/>
+              <a:t>Óptimo no encontrado</a:t>
+            </a:r>
+          </a:p>
+          <a:p>
+            <a:pPr lvl="1" algn="just"/>
+            <a:r>
+              <a:rPr lang="es-ES" dirty="0"/>
+              <a:t>Ni siquiera se podría afirmar cual es mejor. Los agentes BOA que aplicaban la estrategia de pujas de </a:t>
+            </a:r>
+            <a:r>
+              <a:rPr lang="es-ES" dirty="0" err="1"/>
+              <a:t>Nozomi</a:t>
+            </a:r>
+            <a:r>
+              <a:rPr lang="es-ES" dirty="0"/>
+              <a:t> obtienen las peores puntuaciones en el dominio </a:t>
+            </a:r>
+            <a:r>
+              <a:rPr lang="es-ES" dirty="0" err="1"/>
+              <a:t>Grocery</a:t>
+            </a:r>
+            <a:r>
+              <a:rPr lang="es-ES" dirty="0"/>
+              <a:t>, en el cual </a:t>
+            </a:r>
+            <a:r>
+              <a:rPr lang="es-ES" dirty="0" err="1"/>
+              <a:t>TheNegotiator</a:t>
+            </a:r>
+            <a:r>
+              <a:rPr lang="es-ES" dirty="0"/>
+              <a:t> obtiene los mejores resultados de los agentes modulares. Sin embargo, en el dominio de energía, las posiciones </a:t>
+            </a:r>
+            <a:r>
+              <a:rPr lang="es-ES"/>
+              <a:t>se invierten</a:t>
+            </a:r>
+            <a:endParaRPr lang="sv-SE" dirty="0"/>
           </a:p>
         </p:txBody>
       </p:sp>
